--- a/neo4j/cypher/cypher_fundamentals/Cypher_Fundamentals.pptx
+++ b/neo4j/cypher/cypher_fundamentals/Cypher_Fundamentals.pptx
@@ -12242,7 +12242,7 @@
           <a:p>
             <a:fld id="{FE5B4EDC-59C0-49C7-8ADA-5A781B329E02}" type="datetimeFigureOut">
               <a:rPr lang="en-US"/>
-              <a:t>10/27/2025</a:t>
+              <a:t>10/29/2025</a:t>
             </a:fld>
             <a:endParaRPr/>
           </a:p>
@@ -12407,7 +12407,7 @@
           <a:p>
             <a:fld id="{F2D8D46A-B586-417D-BFBD-8C8FE0AAF762}" type="datetimeFigureOut">
               <a:rPr lang="en-US"/>
-              <a:t>10/27/2025</a:t>
+              <a:t>10/29/2025</a:t>
             </a:fld>
             <a:endParaRPr/>
           </a:p>
@@ -13425,7 +13425,7 @@
           <a:p>
             <a:fld id="{F0DFD029-FB74-4578-B929-F66AA97659CA}" type="datetimeFigureOut">
               <a:rPr lang="en-US"/>
-              <a:t>10/27/2025</a:t>
+              <a:t>10/29/2025</a:t>
             </a:fld>
             <a:endParaRPr/>
           </a:p>
@@ -13623,7 +13623,7 @@
           <a:p>
             <a:fld id="{F0DFD029-FB74-4578-B929-F66AA97659CA}" type="datetimeFigureOut">
               <a:rPr lang="en-US"/>
-              <a:t>10/27/2025</a:t>
+              <a:t>10/29/2025</a:t>
             </a:fld>
             <a:endParaRPr/>
           </a:p>
@@ -13831,7 +13831,7 @@
           <a:p>
             <a:fld id="{F0DFD029-FB74-4578-B929-F66AA97659CA}" type="datetimeFigureOut">
               <a:rPr lang="en-US"/>
-              <a:t>10/27/2025</a:t>
+              <a:t>10/29/2025</a:t>
             </a:fld>
             <a:endParaRPr/>
           </a:p>
@@ -14029,7 +14029,7 @@
           <a:p>
             <a:fld id="{F0DFD029-FB74-4578-B929-F66AA97659CA}" type="datetimeFigureOut">
               <a:rPr lang="en-US"/>
-              <a:t>10/27/2025</a:t>
+              <a:t>10/29/2025</a:t>
             </a:fld>
             <a:endParaRPr/>
           </a:p>
@@ -14461,7 +14461,7 @@
           <a:p>
             <a:fld id="{F0DFD029-FB74-4578-B929-F66AA97659CA}" type="datetimeFigureOut">
               <a:rPr lang="en-US"/>
-              <a:t>10/27/2025</a:t>
+              <a:t>10/29/2025</a:t>
             </a:fld>
             <a:endParaRPr/>
           </a:p>
@@ -14765,7 +14765,7 @@
           <a:p>
             <a:fld id="{F0DFD029-FB74-4578-B929-F66AA97659CA}" type="datetimeFigureOut">
               <a:rPr lang="en-US"/>
-              <a:t>10/27/2025</a:t>
+              <a:t>10/29/2025</a:t>
             </a:fld>
             <a:endParaRPr/>
           </a:p>
@@ -15221,7 +15221,7 @@
           <a:p>
             <a:fld id="{F0DFD029-FB74-4578-B929-F66AA97659CA}" type="datetimeFigureOut">
               <a:rPr lang="en-US"/>
-              <a:t>10/27/2025</a:t>
+              <a:t>10/29/2025</a:t>
             </a:fld>
             <a:endParaRPr/>
           </a:p>
@@ -15351,7 +15351,7 @@
           <a:p>
             <a:fld id="{F0DFD029-FB74-4578-B929-F66AA97659CA}" type="datetimeFigureOut">
               <a:rPr lang="en-US"/>
-              <a:t>10/27/2025</a:t>
+              <a:t>10/29/2025</a:t>
             </a:fld>
             <a:endParaRPr/>
           </a:p>
@@ -15458,7 +15458,7 @@
           <a:p>
             <a:fld id="{F0DFD029-FB74-4578-B929-F66AA97659CA}" type="datetimeFigureOut">
               <a:rPr lang="en-US"/>
-              <a:t>10/27/2025</a:t>
+              <a:t>10/29/2025</a:t>
             </a:fld>
             <a:endParaRPr/>
           </a:p>
@@ -15757,7 +15757,7 @@
           <a:p>
             <a:fld id="{F0DFD029-FB74-4578-B929-F66AA97659CA}" type="datetimeFigureOut">
               <a:rPr lang="en-US"/>
-              <a:t>10/27/2025</a:t>
+              <a:t>10/29/2025</a:t>
             </a:fld>
             <a:endParaRPr/>
           </a:p>
@@ -16045,7 +16045,7 @@
           <a:p>
             <a:fld id="{F0DFD029-FB74-4578-B929-F66AA97659CA}" type="datetimeFigureOut">
               <a:rPr lang="en-US"/>
-              <a:t>10/27/2025</a:t>
+              <a:t>10/29/2025</a:t>
             </a:fld>
             <a:endParaRPr/>
           </a:p>
@@ -16668,7 +16668,7 @@
             <a:fld id="{F0DFD029-FB74-4578-B929-F66AA97659CA}" type="datetimeFigureOut">
               <a:rPr lang="en-US"/>
               <a:pPr/>
-              <a:t>10/27/2025</a:t>
+              <a:t>10/29/2025</a:t>
             </a:fld>
             <a:endParaRPr/>
           </a:p>
@@ -17338,6 +17338,135 @@
       </p:transition>
     </mc:Fallback>
   </mc:AlternateContent>
+  <p:timing>
+    <p:tnLst>
+      <p:par>
+        <p:cTn id="1" dur="indefinite" restart="never" nodeType="tmRoot">
+          <p:childTnLst>
+            <p:seq concurrent="1" nextAc="seek">
+              <p:cTn id="2" dur="indefinite" nodeType="mainSeq">
+                <p:childTnLst>
+                  <p:par>
+                    <p:cTn id="3" fill="hold">
+                      <p:stCondLst>
+                        <p:cond delay="indefinite"/>
+                      </p:stCondLst>
+                      <p:childTnLst>
+                        <p:par>
+                          <p:cTn id="4" fill="hold">
+                            <p:stCondLst>
+                              <p:cond delay="0"/>
+                            </p:stCondLst>
+                            <p:childTnLst>
+                              <p:par>
+                                <p:cTn id="5" presetID="45" presetClass="entr" presetSubtype="0" fill="hold" nodeType="clickEffect">
+                                  <p:stCondLst>
+                                    <p:cond delay="0"/>
+                                  </p:stCondLst>
+                                  <p:childTnLst>
+                                    <p:set>
+                                      <p:cBhvr>
+                                        <p:cTn id="6" dur="1" fill="hold">
+                                          <p:stCondLst>
+                                            <p:cond delay="0"/>
+                                          </p:stCondLst>
+                                        </p:cTn>
+                                        <p:tgtEl>
+                                          <p:spTgt spid="7"/>
+                                        </p:tgtEl>
+                                        <p:attrNameLst>
+                                          <p:attrName>style.visibility</p:attrName>
+                                        </p:attrNameLst>
+                                      </p:cBhvr>
+                                      <p:to>
+                                        <p:strVal val="visible"/>
+                                      </p:to>
+                                    </p:set>
+                                    <p:animEffect transition="in" filter="fade">
+                                      <p:cBhvr>
+                                        <p:cTn id="7" dur="2000"/>
+                                        <p:tgtEl>
+                                          <p:spTgt spid="7"/>
+                                        </p:tgtEl>
+                                      </p:cBhvr>
+                                    </p:animEffect>
+                                    <p:anim calcmode="lin" valueType="num">
+                                      <p:cBhvr>
+                                        <p:cTn id="8" dur="2000" fill="hold"/>
+                                        <p:tgtEl>
+                                          <p:spTgt spid="7"/>
+                                        </p:tgtEl>
+                                        <p:attrNameLst>
+                                          <p:attrName>ppt_w</p:attrName>
+                                        </p:attrNameLst>
+                                      </p:cBhvr>
+                                      <p:tavLst>
+                                        <p:tav tm="0" fmla="#ppt_w*sin(2.5*pi*$)">
+                                          <p:val>
+                                            <p:fltVal val="0"/>
+                                          </p:val>
+                                        </p:tav>
+                                        <p:tav tm="100000">
+                                          <p:val>
+                                            <p:fltVal val="1"/>
+                                          </p:val>
+                                        </p:tav>
+                                      </p:tavLst>
+                                    </p:anim>
+                                    <p:anim calcmode="lin" valueType="num">
+                                      <p:cBhvr>
+                                        <p:cTn id="9" dur="2000" fill="hold"/>
+                                        <p:tgtEl>
+                                          <p:spTgt spid="7"/>
+                                        </p:tgtEl>
+                                        <p:attrNameLst>
+                                          <p:attrName>ppt_h</p:attrName>
+                                        </p:attrNameLst>
+                                      </p:cBhvr>
+                                      <p:tavLst>
+                                        <p:tav tm="0">
+                                          <p:val>
+                                            <p:strVal val="#ppt_h"/>
+                                          </p:val>
+                                        </p:tav>
+                                        <p:tav tm="100000">
+                                          <p:val>
+                                            <p:strVal val="#ppt_h"/>
+                                          </p:val>
+                                        </p:tav>
+                                      </p:tavLst>
+                                    </p:anim>
+                                  </p:childTnLst>
+                                </p:cTn>
+                              </p:par>
+                            </p:childTnLst>
+                          </p:cTn>
+                        </p:par>
+                      </p:childTnLst>
+                    </p:cTn>
+                  </p:par>
+                </p:childTnLst>
+              </p:cTn>
+              <p:prevCondLst>
+                <p:cond evt="onPrev" delay="0">
+                  <p:tgtEl>
+                    <p:sldTgt/>
+                  </p:tgtEl>
+                </p:cond>
+              </p:prevCondLst>
+              <p:nextCondLst>
+                <p:cond evt="onNext" delay="0">
+                  <p:tgtEl>
+                    <p:sldTgt/>
+                  </p:tgtEl>
+                </p:cond>
+              </p:nextCondLst>
+            </p:seq>
+          </p:childTnLst>
+        </p:cTn>
+      </p:par>
+    </p:tnLst>
+  </p:timing>
 </p:sld>
 </file>
 
@@ -17764,18 +17893,418 @@
   <p:clrMapOvr>
     <a:masterClrMapping/>
   </p:clrMapOvr>
-  <mc:AlternateContent xmlns:mc="http://schemas.openxmlformats.org/markup-compatibility/2006">
-    <mc:Choice xmlns:p14="http://schemas.microsoft.com/office/powerpoint/2010/main" Requires="p14">
+  <mc:AlternateContent xmlns:mc="http://schemas.openxmlformats.org/markup-compatibility/2006" xmlns:p14="http://schemas.microsoft.com/office/powerpoint/2010/main">
+    <mc:Choice Requires="p14">
       <p:transition spd="med" p14:dur="700">
         <p:fade/>
       </p:transition>
     </mc:Choice>
-    <mc:Fallback>
+    <mc:Fallback xmlns="">
       <p:transition spd="med">
         <p:fade/>
       </p:transition>
     </mc:Fallback>
   </mc:AlternateContent>
+  <p:timing>
+    <p:tnLst>
+      <p:par>
+        <p:cTn id="1" dur="indefinite" restart="never" nodeType="tmRoot">
+          <p:childTnLst>
+            <p:seq concurrent="1" nextAc="seek">
+              <p:cTn id="2" dur="indefinite" nodeType="mainSeq">
+                <p:childTnLst>
+                  <p:par>
+                    <p:cTn id="3" fill="hold">
+                      <p:stCondLst>
+                        <p:cond delay="indefinite"/>
+                      </p:stCondLst>
+                      <p:childTnLst>
+                        <p:par>
+                          <p:cTn id="4" fill="hold">
+                            <p:stCondLst>
+                              <p:cond delay="0"/>
+                            </p:stCondLst>
+                            <p:childTnLst>
+                              <p:par>
+                                <p:cTn id="5" presetID="10" presetClass="entr" presetSubtype="0" fill="hold" grpId="0" nodeType="clickEffect">
+                                  <p:stCondLst>
+                                    <p:cond delay="0"/>
+                                  </p:stCondLst>
+                                  <p:childTnLst>
+                                    <p:set>
+                                      <p:cBhvr>
+                                        <p:cTn id="6" dur="1" fill="hold">
+                                          <p:stCondLst>
+                                            <p:cond delay="0"/>
+                                          </p:stCondLst>
+                                        </p:cTn>
+                                        <p:tgtEl>
+                                          <p:spTgt spid="9"/>
+                                        </p:tgtEl>
+                                        <p:attrNameLst>
+                                          <p:attrName>style.visibility</p:attrName>
+                                        </p:attrNameLst>
+                                      </p:cBhvr>
+                                      <p:to>
+                                        <p:strVal val="visible"/>
+                                      </p:to>
+                                    </p:set>
+                                    <p:animEffect transition="in" filter="fade">
+                                      <p:cBhvr>
+                                        <p:cTn id="7" dur="500"/>
+                                        <p:tgtEl>
+                                          <p:spTgt spid="9"/>
+                                        </p:tgtEl>
+                                      </p:cBhvr>
+                                    </p:animEffect>
+                                  </p:childTnLst>
+                                </p:cTn>
+                              </p:par>
+                              <p:par>
+                                <p:cTn id="8" presetID="10" presetClass="entr" presetSubtype="0" fill="hold" grpId="0" nodeType="withEffect">
+                                  <p:stCondLst>
+                                    <p:cond delay="0"/>
+                                  </p:stCondLst>
+                                  <p:childTnLst>
+                                    <p:set>
+                                      <p:cBhvr>
+                                        <p:cTn id="9" dur="1" fill="hold">
+                                          <p:stCondLst>
+                                            <p:cond delay="0"/>
+                                          </p:stCondLst>
+                                        </p:cTn>
+                                        <p:tgtEl>
+                                          <p:spTgt spid="3"/>
+                                        </p:tgtEl>
+                                        <p:attrNameLst>
+                                          <p:attrName>style.visibility</p:attrName>
+                                        </p:attrNameLst>
+                                      </p:cBhvr>
+                                      <p:to>
+                                        <p:strVal val="visible"/>
+                                      </p:to>
+                                    </p:set>
+                                    <p:animEffect transition="in" filter="fade">
+                                      <p:cBhvr>
+                                        <p:cTn id="10" dur="500"/>
+                                        <p:tgtEl>
+                                          <p:spTgt spid="3"/>
+                                        </p:tgtEl>
+                                      </p:cBhvr>
+                                    </p:animEffect>
+                                  </p:childTnLst>
+                                </p:cTn>
+                              </p:par>
+                            </p:childTnLst>
+                          </p:cTn>
+                        </p:par>
+                      </p:childTnLst>
+                    </p:cTn>
+                  </p:par>
+                  <p:par>
+                    <p:cTn id="11" fill="hold">
+                      <p:stCondLst>
+                        <p:cond delay="indefinite"/>
+                      </p:stCondLst>
+                      <p:childTnLst>
+                        <p:par>
+                          <p:cTn id="12" fill="hold">
+                            <p:stCondLst>
+                              <p:cond delay="0"/>
+                            </p:stCondLst>
+                            <p:childTnLst>
+                              <p:par>
+                                <p:cTn id="13" presetID="21" presetClass="entr" presetSubtype="1" fill="hold" grpId="0" nodeType="clickEffect">
+                                  <p:stCondLst>
+                                    <p:cond delay="0"/>
+                                  </p:stCondLst>
+                                  <p:childTnLst>
+                                    <p:set>
+                                      <p:cBhvr>
+                                        <p:cTn id="14" dur="1" fill="hold">
+                                          <p:stCondLst>
+                                            <p:cond delay="0"/>
+                                          </p:stCondLst>
+                                        </p:cTn>
+                                        <p:tgtEl>
+                                          <p:spTgt spid="10"/>
+                                        </p:tgtEl>
+                                        <p:attrNameLst>
+                                          <p:attrName>style.visibility</p:attrName>
+                                        </p:attrNameLst>
+                                      </p:cBhvr>
+                                      <p:to>
+                                        <p:strVal val="visible"/>
+                                      </p:to>
+                                    </p:set>
+                                    <p:animEffect transition="in" filter="wheel(1)">
+                                      <p:cBhvr>
+                                        <p:cTn id="15" dur="2000"/>
+                                        <p:tgtEl>
+                                          <p:spTgt spid="10"/>
+                                        </p:tgtEl>
+                                      </p:cBhvr>
+                                    </p:animEffect>
+                                  </p:childTnLst>
+                                </p:cTn>
+                              </p:par>
+                              <p:par>
+                                <p:cTn id="16" presetID="21" presetClass="entr" presetSubtype="1" fill="hold" grpId="0" nodeType="withEffect">
+                                  <p:stCondLst>
+                                    <p:cond delay="0"/>
+                                  </p:stCondLst>
+                                  <p:childTnLst>
+                                    <p:set>
+                                      <p:cBhvr>
+                                        <p:cTn id="17" dur="1" fill="hold">
+                                          <p:stCondLst>
+                                            <p:cond delay="0"/>
+                                          </p:stCondLst>
+                                        </p:cTn>
+                                        <p:tgtEl>
+                                          <p:spTgt spid="7"/>
+                                        </p:tgtEl>
+                                        <p:attrNameLst>
+                                          <p:attrName>style.visibility</p:attrName>
+                                        </p:attrNameLst>
+                                      </p:cBhvr>
+                                      <p:to>
+                                        <p:strVal val="visible"/>
+                                      </p:to>
+                                    </p:set>
+                                    <p:animEffect transition="in" filter="wheel(1)">
+                                      <p:cBhvr>
+                                        <p:cTn id="18" dur="2000"/>
+                                        <p:tgtEl>
+                                          <p:spTgt spid="7"/>
+                                        </p:tgtEl>
+                                      </p:cBhvr>
+                                    </p:animEffect>
+                                  </p:childTnLst>
+                                </p:cTn>
+                              </p:par>
+                            </p:childTnLst>
+                          </p:cTn>
+                        </p:par>
+                      </p:childTnLst>
+                    </p:cTn>
+                  </p:par>
+                  <p:par>
+                    <p:cTn id="19" fill="hold">
+                      <p:stCondLst>
+                        <p:cond delay="indefinite"/>
+                      </p:stCondLst>
+                      <p:childTnLst>
+                        <p:par>
+                          <p:cTn id="20" fill="hold">
+                            <p:stCondLst>
+                              <p:cond delay="0"/>
+                            </p:stCondLst>
+                            <p:childTnLst>
+                              <p:par>
+                                <p:cTn id="21" presetID="53" presetClass="entr" presetSubtype="16" fill="hold" grpId="0" nodeType="clickEffect">
+                                  <p:stCondLst>
+                                    <p:cond delay="0"/>
+                                  </p:stCondLst>
+                                  <p:childTnLst>
+                                    <p:set>
+                                      <p:cBhvr>
+                                        <p:cTn id="22" dur="1" fill="hold">
+                                          <p:stCondLst>
+                                            <p:cond delay="0"/>
+                                          </p:stCondLst>
+                                        </p:cTn>
+                                        <p:tgtEl>
+                                          <p:spTgt spid="11"/>
+                                        </p:tgtEl>
+                                        <p:attrNameLst>
+                                          <p:attrName>style.visibility</p:attrName>
+                                        </p:attrNameLst>
+                                      </p:cBhvr>
+                                      <p:to>
+                                        <p:strVal val="visible"/>
+                                      </p:to>
+                                    </p:set>
+                                    <p:anim calcmode="lin" valueType="num">
+                                      <p:cBhvr>
+                                        <p:cTn id="23" dur="500" fill="hold"/>
+                                        <p:tgtEl>
+                                          <p:spTgt spid="11"/>
+                                        </p:tgtEl>
+                                        <p:attrNameLst>
+                                          <p:attrName>ppt_w</p:attrName>
+                                        </p:attrNameLst>
+                                      </p:cBhvr>
+                                      <p:tavLst>
+                                        <p:tav tm="0">
+                                          <p:val>
+                                            <p:fltVal val="0"/>
+                                          </p:val>
+                                        </p:tav>
+                                        <p:tav tm="100000">
+                                          <p:val>
+                                            <p:strVal val="#ppt_w"/>
+                                          </p:val>
+                                        </p:tav>
+                                      </p:tavLst>
+                                    </p:anim>
+                                    <p:anim calcmode="lin" valueType="num">
+                                      <p:cBhvr>
+                                        <p:cTn id="24" dur="500" fill="hold"/>
+                                        <p:tgtEl>
+                                          <p:spTgt spid="11"/>
+                                        </p:tgtEl>
+                                        <p:attrNameLst>
+                                          <p:attrName>ppt_h</p:attrName>
+                                        </p:attrNameLst>
+                                      </p:cBhvr>
+                                      <p:tavLst>
+                                        <p:tav tm="0">
+                                          <p:val>
+                                            <p:fltVal val="0"/>
+                                          </p:val>
+                                        </p:tav>
+                                        <p:tav tm="100000">
+                                          <p:val>
+                                            <p:strVal val="#ppt_h"/>
+                                          </p:val>
+                                        </p:tav>
+                                      </p:tavLst>
+                                    </p:anim>
+                                    <p:animEffect transition="in" filter="fade">
+                                      <p:cBhvr>
+                                        <p:cTn id="25" dur="500"/>
+                                        <p:tgtEl>
+                                          <p:spTgt spid="11"/>
+                                        </p:tgtEl>
+                                      </p:cBhvr>
+                                    </p:animEffect>
+                                  </p:childTnLst>
+                                </p:cTn>
+                              </p:par>
+                              <p:par>
+                                <p:cTn id="26" presetID="53" presetClass="entr" presetSubtype="16" fill="hold" grpId="0" nodeType="withEffect">
+                                  <p:stCondLst>
+                                    <p:cond delay="0"/>
+                                  </p:stCondLst>
+                                  <p:childTnLst>
+                                    <p:set>
+                                      <p:cBhvr>
+                                        <p:cTn id="27" dur="1" fill="hold">
+                                          <p:stCondLst>
+                                            <p:cond delay="0"/>
+                                          </p:stCondLst>
+                                        </p:cTn>
+                                        <p:tgtEl>
+                                          <p:spTgt spid="8"/>
+                                        </p:tgtEl>
+                                        <p:attrNameLst>
+                                          <p:attrName>style.visibility</p:attrName>
+                                        </p:attrNameLst>
+                                      </p:cBhvr>
+                                      <p:to>
+                                        <p:strVal val="visible"/>
+                                      </p:to>
+                                    </p:set>
+                                    <p:anim calcmode="lin" valueType="num">
+                                      <p:cBhvr>
+                                        <p:cTn id="28" dur="500" fill="hold"/>
+                                        <p:tgtEl>
+                                          <p:spTgt spid="8"/>
+                                        </p:tgtEl>
+                                        <p:attrNameLst>
+                                          <p:attrName>ppt_w</p:attrName>
+                                        </p:attrNameLst>
+                                      </p:cBhvr>
+                                      <p:tavLst>
+                                        <p:tav tm="0">
+                                          <p:val>
+                                            <p:fltVal val="0"/>
+                                          </p:val>
+                                        </p:tav>
+                                        <p:tav tm="100000">
+                                          <p:val>
+                                            <p:strVal val="#ppt_w"/>
+                                          </p:val>
+                                        </p:tav>
+                                      </p:tavLst>
+                                    </p:anim>
+                                    <p:anim calcmode="lin" valueType="num">
+                                      <p:cBhvr>
+                                        <p:cTn id="29" dur="500" fill="hold"/>
+                                        <p:tgtEl>
+                                          <p:spTgt spid="8"/>
+                                        </p:tgtEl>
+                                        <p:attrNameLst>
+                                          <p:attrName>ppt_h</p:attrName>
+                                        </p:attrNameLst>
+                                      </p:cBhvr>
+                                      <p:tavLst>
+                                        <p:tav tm="0">
+                                          <p:val>
+                                            <p:fltVal val="0"/>
+                                          </p:val>
+                                        </p:tav>
+                                        <p:tav tm="100000">
+                                          <p:val>
+                                            <p:strVal val="#ppt_h"/>
+                                          </p:val>
+                                        </p:tav>
+                                      </p:tavLst>
+                                    </p:anim>
+                                    <p:animEffect transition="in" filter="fade">
+                                      <p:cBhvr>
+                                        <p:cTn id="30" dur="500"/>
+                                        <p:tgtEl>
+                                          <p:spTgt spid="8"/>
+                                        </p:tgtEl>
+                                      </p:cBhvr>
+                                    </p:animEffect>
+                                  </p:childTnLst>
+                                </p:cTn>
+                              </p:par>
+                            </p:childTnLst>
+                          </p:cTn>
+                        </p:par>
+                      </p:childTnLst>
+                    </p:cTn>
+                  </p:par>
+                </p:childTnLst>
+              </p:cTn>
+              <p:prevCondLst>
+                <p:cond evt="onPrev" delay="0">
+                  <p:tgtEl>
+                    <p:sldTgt/>
+                  </p:tgtEl>
+                </p:cond>
+              </p:prevCondLst>
+              <p:nextCondLst>
+                <p:cond evt="onNext" delay="0">
+                  <p:tgtEl>
+                    <p:sldTgt/>
+                  </p:tgtEl>
+                </p:cond>
+              </p:nextCondLst>
+            </p:seq>
+          </p:childTnLst>
+        </p:cTn>
+      </p:par>
+    </p:tnLst>
+    <p:bldLst>
+      <p:bldGraphic spid="3" grpId="0">
+        <p:bldAsOne/>
+      </p:bldGraphic>
+      <p:bldGraphic spid="7" grpId="0">
+        <p:bldAsOne/>
+      </p:bldGraphic>
+      <p:bldGraphic spid="8" grpId="0">
+        <p:bldAsOne/>
+      </p:bldGraphic>
+      <p:bldP spid="9" grpId="0" animBg="1"/>
+      <p:bldP spid="10" grpId="0" animBg="1"/>
+      <p:bldP spid="11" grpId="0" animBg="1"/>
+    </p:bldLst>
+  </p:timing>
 </p:sld>
 </file>
 
@@ -19002,13 +19531,13 @@
   <p:clrMapOvr>
     <a:masterClrMapping/>
   </p:clrMapOvr>
-  <mc:AlternateContent xmlns:mc="http://schemas.openxmlformats.org/markup-compatibility/2006">
-    <mc:Choice xmlns:p14="http://schemas.microsoft.com/office/powerpoint/2010/main" Requires="p14">
+  <mc:AlternateContent xmlns:mc="http://schemas.openxmlformats.org/markup-compatibility/2006" xmlns:p14="http://schemas.microsoft.com/office/powerpoint/2010/main">
+    <mc:Choice Requires="p14">
       <p:transition spd="med" p14:dur="700">
         <p:fade/>
       </p:transition>
     </mc:Choice>
-    <mc:Fallback>
+    <mc:Fallback xmlns="">
       <p:transition spd="med">
         <p:fade/>
       </p:transition>
@@ -19262,13 +19791,13 @@
   <p:clrMapOvr>
     <a:masterClrMapping/>
   </p:clrMapOvr>
-  <mc:AlternateContent xmlns:mc="http://schemas.openxmlformats.org/markup-compatibility/2006">
-    <mc:Choice xmlns:p14="http://schemas.microsoft.com/office/powerpoint/2010/main" Requires="p14">
+  <mc:AlternateContent xmlns:mc="http://schemas.openxmlformats.org/markup-compatibility/2006" xmlns:p14="http://schemas.microsoft.com/office/powerpoint/2010/main">
+    <mc:Choice Requires="p14">
       <p:transition spd="med" p14:dur="700">
         <p:fade/>
       </p:transition>
     </mc:Choice>
-    <mc:Fallback>
+    <mc:Fallback xmlns="">
       <p:transition spd="med">
         <p:fade/>
       </p:transition>
@@ -19522,13 +20051,13 @@
   <p:clrMapOvr>
     <a:masterClrMapping/>
   </p:clrMapOvr>
-  <mc:AlternateContent xmlns:mc="http://schemas.openxmlformats.org/markup-compatibility/2006">
-    <mc:Choice xmlns:p14="http://schemas.microsoft.com/office/powerpoint/2010/main" Requires="p14">
+  <mc:AlternateContent xmlns:mc="http://schemas.openxmlformats.org/markup-compatibility/2006" xmlns:p14="http://schemas.microsoft.com/office/powerpoint/2010/main">
+    <mc:Choice Requires="p14">
       <p:transition spd="med" p14:dur="700">
         <p:fade/>
       </p:transition>
     </mc:Choice>
-    <mc:Fallback>
+    <mc:Fallback xmlns="">
       <p:transition spd="med">
         <p:fade/>
       </p:transition>
@@ -19782,13 +20311,13 @@
   <p:clrMapOvr>
     <a:masterClrMapping/>
   </p:clrMapOvr>
-  <mc:AlternateContent xmlns:mc="http://schemas.openxmlformats.org/markup-compatibility/2006">
-    <mc:Choice xmlns:p14="http://schemas.microsoft.com/office/powerpoint/2010/main" Requires="p14">
+  <mc:AlternateContent xmlns:mc="http://schemas.openxmlformats.org/markup-compatibility/2006" xmlns:p14="http://schemas.microsoft.com/office/powerpoint/2010/main">
+    <mc:Choice Requires="p14">
       <p:transition spd="med" p14:dur="700">
         <p:fade/>
       </p:transition>
     </mc:Choice>
-    <mc:Fallback>
+    <mc:Fallback xmlns="">
       <p:transition spd="med">
         <p:fade/>
       </p:transition>
@@ -20042,13 +20571,13 @@
   <p:clrMapOvr>
     <a:masterClrMapping/>
   </p:clrMapOvr>
-  <mc:AlternateContent xmlns:mc="http://schemas.openxmlformats.org/markup-compatibility/2006">
-    <mc:Choice xmlns:p14="http://schemas.microsoft.com/office/powerpoint/2010/main" Requires="p14">
+  <mc:AlternateContent xmlns:mc="http://schemas.openxmlformats.org/markup-compatibility/2006" xmlns:p14="http://schemas.microsoft.com/office/powerpoint/2010/main">
+    <mc:Choice Requires="p14">
       <p:transition spd="med" p14:dur="700">
         <p:fade/>
       </p:transition>
     </mc:Choice>
-    <mc:Fallback>
+    <mc:Fallback xmlns="">
       <p:transition spd="med">
         <p:fade/>
       </p:transition>
@@ -21008,12 +21537,139 @@
 </file>
 
 <file path=customXml/item1.xml><?xml version="1.0" encoding="utf-8"?>
-<?mso-contentType ?>
-<FormTemplates xmlns="http://schemas.microsoft.com/sharepoint/v3/contenttype/forms">
-  <Display>DocumentLibraryForm</Display>
-  <Edit>AssetEditForm</Edit>
-  <New>DocumentLibraryForm</New>
-</FormTemplates>
+<p:properties xmlns:p="http://schemas.microsoft.com/office/2006/metadata/properties" xmlns:xsi="http://www.w3.org/2001/XMLSchema-instance" xmlns:pc="http://schemas.microsoft.com/office/infopath/2007/PartnerControls">
+  <documentManagement>
+    <LocPublishedLinkedAssetsLookup xmlns="4873beb7-5857-4685-be1f-d57550cc96cc" xsi:nil="true"/>
+    <ApprovalStatus xmlns="4873beb7-5857-4685-be1f-d57550cc96cc">InProgress</ApprovalStatus>
+    <MarketSpecific xmlns="4873beb7-5857-4685-be1f-d57550cc96cc">false</MarketSpecific>
+    <LocComments xmlns="4873beb7-5857-4685-be1f-d57550cc96cc" xsi:nil="true"/>
+    <LocLastLocAttemptVersionTypeLookup xmlns="4873beb7-5857-4685-be1f-d57550cc96cc" xsi:nil="true"/>
+    <DirectSourceMarket xmlns="4873beb7-5857-4685-be1f-d57550cc96cc" xsi:nil="true"/>
+    <ThumbnailAssetId xmlns="4873beb7-5857-4685-be1f-d57550cc96cc" xsi:nil="true"/>
+    <PrimaryImageGen xmlns="4873beb7-5857-4685-be1f-d57550cc96cc">false</PrimaryImageGen>
+    <LocNewPublishedVersionLookup xmlns="4873beb7-5857-4685-be1f-d57550cc96cc" xsi:nil="true"/>
+    <LegacyData xmlns="4873beb7-5857-4685-be1f-d57550cc96cc" xsi:nil="true"/>
+    <LocRecommendedHandoff xmlns="4873beb7-5857-4685-be1f-d57550cc96cc" xsi:nil="true"/>
+    <BusinessGroup xmlns="4873beb7-5857-4685-be1f-d57550cc96cc" xsi:nil="true"/>
+    <BlockPublish xmlns="4873beb7-5857-4685-be1f-d57550cc96cc">false</BlockPublish>
+    <TPFriendlyName xmlns="4873beb7-5857-4685-be1f-d57550cc96cc" xsi:nil="true"/>
+    <LocOverallPublishStatusLookup xmlns="4873beb7-5857-4685-be1f-d57550cc96cc" xsi:nil="true"/>
+    <NumericId xmlns="4873beb7-5857-4685-be1f-d57550cc96cc" xsi:nil="true"/>
+    <APEditor xmlns="4873beb7-5857-4685-be1f-d57550cc96cc">
+      <UserInfo>
+        <DisplayName/>
+        <AccountId xsi:nil="true"/>
+        <AccountType/>
+      </UserInfo>
+    </APEditor>
+    <SourceTitle xmlns="4873beb7-5857-4685-be1f-d57550cc96cc" xsi:nil="true"/>
+    <OpenTemplate xmlns="4873beb7-5857-4685-be1f-d57550cc96cc">true</OpenTemplate>
+    <LocOverallLocStatusLookup xmlns="4873beb7-5857-4685-be1f-d57550cc96cc" xsi:nil="true"/>
+    <UALocComments xmlns="4873beb7-5857-4685-be1f-d57550cc96cc" xsi:nil="true"/>
+    <ParentAssetId xmlns="4873beb7-5857-4685-be1f-d57550cc96cc" xsi:nil="true"/>
+    <IntlLangReviewDate xmlns="4873beb7-5857-4685-be1f-d57550cc96cc" xsi:nil="true"/>
+    <FeatureTagsTaxHTField0 xmlns="4873beb7-5857-4685-be1f-d57550cc96cc">
+      <Terms xmlns="http://schemas.microsoft.com/office/infopath/2007/PartnerControls"/>
+    </FeatureTagsTaxHTField0>
+    <PublishStatusLookup xmlns="4873beb7-5857-4685-be1f-d57550cc96cc">
+      <Value>1345093</Value>
+    </PublishStatusLookup>
+    <Providers xmlns="4873beb7-5857-4685-be1f-d57550cc96cc" xsi:nil="true"/>
+    <MachineTranslated xmlns="4873beb7-5857-4685-be1f-d57550cc96cc">false</MachineTranslated>
+    <OriginalSourceMarket xmlns="4873beb7-5857-4685-be1f-d57550cc96cc" xsi:nil="true"/>
+    <APDescription xmlns="4873beb7-5857-4685-be1f-d57550cc96cc">This simple template design works for technology and  businesses, but it's versatile enough to use in other contexts.  It features multiple slide layouts designed for widescreen (16x9 resolution) and includes a sample SmartArt list and chart that are easily editable.</APDescription>
+    <ClipArtFilename xmlns="4873beb7-5857-4685-be1f-d57550cc96cc" xsi:nil="true"/>
+    <ContentItem xmlns="4873beb7-5857-4685-be1f-d57550cc96cc" xsi:nil="true"/>
+    <TPInstallLocation xmlns="4873beb7-5857-4685-be1f-d57550cc96cc" xsi:nil="true"/>
+    <PublishTargets xmlns="4873beb7-5857-4685-be1f-d57550cc96cc">OfficeOnlineVNext</PublishTargets>
+    <TimesCloned xmlns="4873beb7-5857-4685-be1f-d57550cc96cc" xsi:nil="true"/>
+    <AssetStart xmlns="4873beb7-5857-4685-be1f-d57550cc96cc">2011-11-26T00:30:00+00:00</AssetStart>
+    <Provider xmlns="4873beb7-5857-4685-be1f-d57550cc96cc" xsi:nil="true"/>
+    <AcquiredFrom xmlns="4873beb7-5857-4685-be1f-d57550cc96cc">Internal MS</AcquiredFrom>
+    <FriendlyTitle xmlns="4873beb7-5857-4685-be1f-d57550cc96cc" xsi:nil="true"/>
+    <LastHandOff xmlns="4873beb7-5857-4685-be1f-d57550cc96cc" xsi:nil="true"/>
+    <TPClientViewer xmlns="4873beb7-5857-4685-be1f-d57550cc96cc" xsi:nil="true"/>
+    <TemplateStatus xmlns="4873beb7-5857-4685-be1f-d57550cc96cc">Complete</TemplateStatus>
+    <Downloads xmlns="4873beb7-5857-4685-be1f-d57550cc96cc">0</Downloads>
+    <OOCacheId xmlns="4873beb7-5857-4685-be1f-d57550cc96cc" xsi:nil="true"/>
+    <IsDeleted xmlns="4873beb7-5857-4685-be1f-d57550cc96cc">false</IsDeleted>
+    <LocPublishedDependentAssetsLookup xmlns="4873beb7-5857-4685-be1f-d57550cc96cc" xsi:nil="true"/>
+    <TPExecutable xmlns="4873beb7-5857-4685-be1f-d57550cc96cc" xsi:nil="true"/>
+    <EditorialTags xmlns="4873beb7-5857-4685-be1f-d57550cc96cc" xsi:nil="true"/>
+    <SubmitterId xmlns="4873beb7-5857-4685-be1f-d57550cc96cc" xsi:nil="true"/>
+    <ApprovalLog xmlns="4873beb7-5857-4685-be1f-d57550cc96cc" xsi:nil="true"/>
+    <AssetType xmlns="4873beb7-5857-4685-be1f-d57550cc96cc">TP</AssetType>
+    <BugNumber xmlns="4873beb7-5857-4685-be1f-d57550cc96cc" xsi:nil="true"/>
+    <CSXSubmissionDate xmlns="4873beb7-5857-4685-be1f-d57550cc96cc" xsi:nil="true"/>
+    <CSXUpdate xmlns="4873beb7-5857-4685-be1f-d57550cc96cc">false</CSXUpdate>
+    <Milestone xmlns="4873beb7-5857-4685-be1f-d57550cc96cc" xsi:nil="true"/>
+    <RecommendationsModifier xmlns="4873beb7-5857-4685-be1f-d57550cc96cc" xsi:nil="true"/>
+    <OriginAsset xmlns="4873beb7-5857-4685-be1f-d57550cc96cc" xsi:nil="true"/>
+    <TPComponent xmlns="4873beb7-5857-4685-be1f-d57550cc96cc" xsi:nil="true"/>
+    <AssetId xmlns="4873beb7-5857-4685-be1f-d57550cc96cc">TP102787989</AssetId>
+    <IntlLocPriority xmlns="4873beb7-5857-4685-be1f-d57550cc96cc" xsi:nil="true"/>
+    <PolicheckWords xmlns="4873beb7-5857-4685-be1f-d57550cc96cc" xsi:nil="true"/>
+    <TPLaunchHelpLink xmlns="4873beb7-5857-4685-be1f-d57550cc96cc" xsi:nil="true"/>
+    <TPApplication xmlns="4873beb7-5857-4685-be1f-d57550cc96cc" xsi:nil="true"/>
+    <CrawlForDependencies xmlns="4873beb7-5857-4685-be1f-d57550cc96cc">false</CrawlForDependencies>
+    <HandoffToMSDN xmlns="4873beb7-5857-4685-be1f-d57550cc96cc" xsi:nil="true"/>
+    <PlannedPubDate xmlns="4873beb7-5857-4685-be1f-d57550cc96cc" xsi:nil="true"/>
+    <IntlLangReviewer xmlns="4873beb7-5857-4685-be1f-d57550cc96cc" xsi:nil="true"/>
+    <TrustLevel xmlns="4873beb7-5857-4685-be1f-d57550cc96cc">1 Microsoft Managed Content</TrustLevel>
+    <LocLastLocAttemptVersionLookup xmlns="4873beb7-5857-4685-be1f-d57550cc96cc">694266</LocLastLocAttemptVersionLookup>
+    <LocProcessedForHandoffsLookup xmlns="4873beb7-5857-4685-be1f-d57550cc96cc" xsi:nil="true"/>
+    <IsSearchable xmlns="4873beb7-5857-4685-be1f-d57550cc96cc">true</IsSearchable>
+    <TemplateTemplateType xmlns="4873beb7-5857-4685-be1f-d57550cc96cc">PowerPoint Presentation Template</TemplateTemplateType>
+    <CampaignTagsTaxHTField0 xmlns="4873beb7-5857-4685-be1f-d57550cc96cc">
+      <Terms xmlns="http://schemas.microsoft.com/office/infopath/2007/PartnerControls"/>
+    </CampaignTagsTaxHTField0>
+    <TPNamespace xmlns="4873beb7-5857-4685-be1f-d57550cc96cc" xsi:nil="true"/>
+    <LocOverallPreviewStatusLookup xmlns="4873beb7-5857-4685-be1f-d57550cc96cc" xsi:nil="true"/>
+    <TaxCatchAll xmlns="4873beb7-5857-4685-be1f-d57550cc96cc"/>
+    <Markets xmlns="4873beb7-5857-4685-be1f-d57550cc96cc"/>
+    <UAProjectedTotalWords xmlns="4873beb7-5857-4685-be1f-d57550cc96cc" xsi:nil="true"/>
+    <IntlLangReview xmlns="4873beb7-5857-4685-be1f-d57550cc96cc" xsi:nil="true"/>
+    <OutputCachingOn xmlns="4873beb7-5857-4685-be1f-d57550cc96cc">false</OutputCachingOn>
+    <AverageRating xmlns="4873beb7-5857-4685-be1f-d57550cc96cc" xsi:nil="true"/>
+    <APAuthor xmlns="4873beb7-5857-4685-be1f-d57550cc96cc">
+      <UserInfo>
+        <DisplayName>REDMOND\kristaa</DisplayName>
+        <AccountId>136</AccountId>
+        <AccountType/>
+      </UserInfo>
+    </APAuthor>
+    <LocManualTestRequired xmlns="4873beb7-5857-4685-be1f-d57550cc96cc">false</LocManualTestRequired>
+    <TPCommandLine xmlns="4873beb7-5857-4685-be1f-d57550cc96cc" xsi:nil="true"/>
+    <TPAppVersion xmlns="4873beb7-5857-4685-be1f-d57550cc96cc" xsi:nil="true"/>
+    <EditorialStatus xmlns="4873beb7-5857-4685-be1f-d57550cc96cc">Complete</EditorialStatus>
+    <LastModifiedDateTime xmlns="4873beb7-5857-4685-be1f-d57550cc96cc" xsi:nil="true"/>
+    <ScenarioTagsTaxHTField0 xmlns="4873beb7-5857-4685-be1f-d57550cc96cc">
+      <Terms xmlns="http://schemas.microsoft.com/office/infopath/2007/PartnerControls"/>
+    </ScenarioTagsTaxHTField0>
+    <LocProcessedForMarketsLookup xmlns="4873beb7-5857-4685-be1f-d57550cc96cc" xsi:nil="true"/>
+    <TPLaunchHelpLinkType xmlns="4873beb7-5857-4685-be1f-d57550cc96cc">Template</TPLaunchHelpLinkType>
+    <OriginalRelease xmlns="4873beb7-5857-4685-be1f-d57550cc96cc">15</OriginalRelease>
+    <LocalizationTagsTaxHTField0 xmlns="4873beb7-5857-4685-be1f-d57550cc96cc">
+      <Terms xmlns="http://schemas.microsoft.com/office/infopath/2007/PartnerControls"/>
+    </LocalizationTagsTaxHTField0>
+    <UACurrentWords xmlns="4873beb7-5857-4685-be1f-d57550cc96cc" xsi:nil="true"/>
+    <ArtSampleDocs xmlns="4873beb7-5857-4685-be1f-d57550cc96cc" xsi:nil="true"/>
+    <UALocRecommendation xmlns="4873beb7-5857-4685-be1f-d57550cc96cc">Localize</UALocRecommendation>
+    <Manager xmlns="4873beb7-5857-4685-be1f-d57550cc96cc" xsi:nil="true"/>
+    <LocOverallHandbackStatusLookup xmlns="4873beb7-5857-4685-be1f-d57550cc96cc" xsi:nil="true"/>
+    <ShowIn xmlns="4873beb7-5857-4685-be1f-d57550cc96cc">Show everywhere</ShowIn>
+    <UANotes xmlns="4873beb7-5857-4685-be1f-d57550cc96cc" xsi:nil="true"/>
+    <InternalTagsTaxHTField0 xmlns="4873beb7-5857-4685-be1f-d57550cc96cc">
+      <Terms xmlns="http://schemas.microsoft.com/office/infopath/2007/PartnerControls"/>
+    </InternalTagsTaxHTField0>
+    <CSXHash xmlns="4873beb7-5857-4685-be1f-d57550cc96cc" xsi:nil="true"/>
+    <VoteCount xmlns="4873beb7-5857-4685-be1f-d57550cc96cc" xsi:nil="true"/>
+    <AssetExpire xmlns="4873beb7-5857-4685-be1f-d57550cc96cc">2029-05-12T07:00:00+00:00</AssetExpire>
+    <DSATActionTaken xmlns="4873beb7-5857-4685-be1f-d57550cc96cc" xsi:nil="true"/>
+    <CSXSubmissionMarket xmlns="4873beb7-5857-4685-be1f-d57550cc96cc" xsi:nil="true"/>
+    <LocMarketGroupTiers2 xmlns="4873beb7-5857-4685-be1f-d57550cc96cc" xsi:nil="true"/>
+  </documentManagement>
+</p:properties>
 </file>
 
 <file path=customXml/item2.xml><?xml version="1.0" encoding="utf-8"?>
@@ -22057,145 +22713,26 @@
 </file>
 
 <file path=customXml/item3.xml><?xml version="1.0" encoding="utf-8"?>
-<p:properties xmlns:p="http://schemas.microsoft.com/office/2006/metadata/properties" xmlns:xsi="http://www.w3.org/2001/XMLSchema-instance" xmlns:pc="http://schemas.microsoft.com/office/infopath/2007/PartnerControls">
-  <documentManagement>
-    <LocPublishedLinkedAssetsLookup xmlns="4873beb7-5857-4685-be1f-d57550cc96cc" xsi:nil="true"/>
-    <ApprovalStatus xmlns="4873beb7-5857-4685-be1f-d57550cc96cc">InProgress</ApprovalStatus>
-    <MarketSpecific xmlns="4873beb7-5857-4685-be1f-d57550cc96cc">false</MarketSpecific>
-    <LocComments xmlns="4873beb7-5857-4685-be1f-d57550cc96cc" xsi:nil="true"/>
-    <LocLastLocAttemptVersionTypeLookup xmlns="4873beb7-5857-4685-be1f-d57550cc96cc" xsi:nil="true"/>
-    <DirectSourceMarket xmlns="4873beb7-5857-4685-be1f-d57550cc96cc" xsi:nil="true"/>
-    <ThumbnailAssetId xmlns="4873beb7-5857-4685-be1f-d57550cc96cc" xsi:nil="true"/>
-    <PrimaryImageGen xmlns="4873beb7-5857-4685-be1f-d57550cc96cc">false</PrimaryImageGen>
-    <LocNewPublishedVersionLookup xmlns="4873beb7-5857-4685-be1f-d57550cc96cc" xsi:nil="true"/>
-    <LegacyData xmlns="4873beb7-5857-4685-be1f-d57550cc96cc" xsi:nil="true"/>
-    <LocRecommendedHandoff xmlns="4873beb7-5857-4685-be1f-d57550cc96cc" xsi:nil="true"/>
-    <BusinessGroup xmlns="4873beb7-5857-4685-be1f-d57550cc96cc" xsi:nil="true"/>
-    <BlockPublish xmlns="4873beb7-5857-4685-be1f-d57550cc96cc">false</BlockPublish>
-    <TPFriendlyName xmlns="4873beb7-5857-4685-be1f-d57550cc96cc" xsi:nil="true"/>
-    <LocOverallPublishStatusLookup xmlns="4873beb7-5857-4685-be1f-d57550cc96cc" xsi:nil="true"/>
-    <NumericId xmlns="4873beb7-5857-4685-be1f-d57550cc96cc" xsi:nil="true"/>
-    <APEditor xmlns="4873beb7-5857-4685-be1f-d57550cc96cc">
-      <UserInfo>
-        <DisplayName/>
-        <AccountId xsi:nil="true"/>
-        <AccountType/>
-      </UserInfo>
-    </APEditor>
-    <SourceTitle xmlns="4873beb7-5857-4685-be1f-d57550cc96cc" xsi:nil="true"/>
-    <OpenTemplate xmlns="4873beb7-5857-4685-be1f-d57550cc96cc">true</OpenTemplate>
-    <LocOverallLocStatusLookup xmlns="4873beb7-5857-4685-be1f-d57550cc96cc" xsi:nil="true"/>
-    <UALocComments xmlns="4873beb7-5857-4685-be1f-d57550cc96cc" xsi:nil="true"/>
-    <ParentAssetId xmlns="4873beb7-5857-4685-be1f-d57550cc96cc" xsi:nil="true"/>
-    <IntlLangReviewDate xmlns="4873beb7-5857-4685-be1f-d57550cc96cc" xsi:nil="true"/>
-    <FeatureTagsTaxHTField0 xmlns="4873beb7-5857-4685-be1f-d57550cc96cc">
-      <Terms xmlns="http://schemas.microsoft.com/office/infopath/2007/PartnerControls"/>
-    </FeatureTagsTaxHTField0>
-    <PublishStatusLookup xmlns="4873beb7-5857-4685-be1f-d57550cc96cc">
-      <Value>1345093</Value>
-    </PublishStatusLookup>
-    <Providers xmlns="4873beb7-5857-4685-be1f-d57550cc96cc" xsi:nil="true"/>
-    <MachineTranslated xmlns="4873beb7-5857-4685-be1f-d57550cc96cc">false</MachineTranslated>
-    <OriginalSourceMarket xmlns="4873beb7-5857-4685-be1f-d57550cc96cc" xsi:nil="true"/>
-    <APDescription xmlns="4873beb7-5857-4685-be1f-d57550cc96cc">This simple template design works for technology and  businesses, but it's versatile enough to use in other contexts.  It features multiple slide layouts designed for widescreen (16x9 resolution) and includes a sample SmartArt list and chart that are easily editable.</APDescription>
-    <ClipArtFilename xmlns="4873beb7-5857-4685-be1f-d57550cc96cc" xsi:nil="true"/>
-    <ContentItem xmlns="4873beb7-5857-4685-be1f-d57550cc96cc" xsi:nil="true"/>
-    <TPInstallLocation xmlns="4873beb7-5857-4685-be1f-d57550cc96cc" xsi:nil="true"/>
-    <PublishTargets xmlns="4873beb7-5857-4685-be1f-d57550cc96cc">OfficeOnlineVNext</PublishTargets>
-    <TimesCloned xmlns="4873beb7-5857-4685-be1f-d57550cc96cc" xsi:nil="true"/>
-    <AssetStart xmlns="4873beb7-5857-4685-be1f-d57550cc96cc">2011-11-26T00:30:00+00:00</AssetStart>
-    <Provider xmlns="4873beb7-5857-4685-be1f-d57550cc96cc" xsi:nil="true"/>
-    <AcquiredFrom xmlns="4873beb7-5857-4685-be1f-d57550cc96cc">Internal MS</AcquiredFrom>
-    <FriendlyTitle xmlns="4873beb7-5857-4685-be1f-d57550cc96cc" xsi:nil="true"/>
-    <LastHandOff xmlns="4873beb7-5857-4685-be1f-d57550cc96cc" xsi:nil="true"/>
-    <TPClientViewer xmlns="4873beb7-5857-4685-be1f-d57550cc96cc" xsi:nil="true"/>
-    <TemplateStatus xmlns="4873beb7-5857-4685-be1f-d57550cc96cc">Complete</TemplateStatus>
-    <Downloads xmlns="4873beb7-5857-4685-be1f-d57550cc96cc">0</Downloads>
-    <OOCacheId xmlns="4873beb7-5857-4685-be1f-d57550cc96cc" xsi:nil="true"/>
-    <IsDeleted xmlns="4873beb7-5857-4685-be1f-d57550cc96cc">false</IsDeleted>
-    <LocPublishedDependentAssetsLookup xmlns="4873beb7-5857-4685-be1f-d57550cc96cc" xsi:nil="true"/>
-    <TPExecutable xmlns="4873beb7-5857-4685-be1f-d57550cc96cc" xsi:nil="true"/>
-    <EditorialTags xmlns="4873beb7-5857-4685-be1f-d57550cc96cc" xsi:nil="true"/>
-    <SubmitterId xmlns="4873beb7-5857-4685-be1f-d57550cc96cc" xsi:nil="true"/>
-    <ApprovalLog xmlns="4873beb7-5857-4685-be1f-d57550cc96cc" xsi:nil="true"/>
-    <AssetType xmlns="4873beb7-5857-4685-be1f-d57550cc96cc">TP</AssetType>
-    <BugNumber xmlns="4873beb7-5857-4685-be1f-d57550cc96cc" xsi:nil="true"/>
-    <CSXSubmissionDate xmlns="4873beb7-5857-4685-be1f-d57550cc96cc" xsi:nil="true"/>
-    <CSXUpdate xmlns="4873beb7-5857-4685-be1f-d57550cc96cc">false</CSXUpdate>
-    <Milestone xmlns="4873beb7-5857-4685-be1f-d57550cc96cc" xsi:nil="true"/>
-    <RecommendationsModifier xmlns="4873beb7-5857-4685-be1f-d57550cc96cc" xsi:nil="true"/>
-    <OriginAsset xmlns="4873beb7-5857-4685-be1f-d57550cc96cc" xsi:nil="true"/>
-    <TPComponent xmlns="4873beb7-5857-4685-be1f-d57550cc96cc" xsi:nil="true"/>
-    <AssetId xmlns="4873beb7-5857-4685-be1f-d57550cc96cc">TP102787989</AssetId>
-    <IntlLocPriority xmlns="4873beb7-5857-4685-be1f-d57550cc96cc" xsi:nil="true"/>
-    <PolicheckWords xmlns="4873beb7-5857-4685-be1f-d57550cc96cc" xsi:nil="true"/>
-    <TPLaunchHelpLink xmlns="4873beb7-5857-4685-be1f-d57550cc96cc" xsi:nil="true"/>
-    <TPApplication xmlns="4873beb7-5857-4685-be1f-d57550cc96cc" xsi:nil="true"/>
-    <CrawlForDependencies xmlns="4873beb7-5857-4685-be1f-d57550cc96cc">false</CrawlForDependencies>
-    <HandoffToMSDN xmlns="4873beb7-5857-4685-be1f-d57550cc96cc" xsi:nil="true"/>
-    <PlannedPubDate xmlns="4873beb7-5857-4685-be1f-d57550cc96cc" xsi:nil="true"/>
-    <IntlLangReviewer xmlns="4873beb7-5857-4685-be1f-d57550cc96cc" xsi:nil="true"/>
-    <TrustLevel xmlns="4873beb7-5857-4685-be1f-d57550cc96cc">1 Microsoft Managed Content</TrustLevel>
-    <LocLastLocAttemptVersionLookup xmlns="4873beb7-5857-4685-be1f-d57550cc96cc">694266</LocLastLocAttemptVersionLookup>
-    <LocProcessedForHandoffsLookup xmlns="4873beb7-5857-4685-be1f-d57550cc96cc" xsi:nil="true"/>
-    <IsSearchable xmlns="4873beb7-5857-4685-be1f-d57550cc96cc">true</IsSearchable>
-    <TemplateTemplateType xmlns="4873beb7-5857-4685-be1f-d57550cc96cc">PowerPoint Presentation Template</TemplateTemplateType>
-    <CampaignTagsTaxHTField0 xmlns="4873beb7-5857-4685-be1f-d57550cc96cc">
-      <Terms xmlns="http://schemas.microsoft.com/office/infopath/2007/PartnerControls"/>
-    </CampaignTagsTaxHTField0>
-    <TPNamespace xmlns="4873beb7-5857-4685-be1f-d57550cc96cc" xsi:nil="true"/>
-    <LocOverallPreviewStatusLookup xmlns="4873beb7-5857-4685-be1f-d57550cc96cc" xsi:nil="true"/>
-    <TaxCatchAll xmlns="4873beb7-5857-4685-be1f-d57550cc96cc"/>
-    <Markets xmlns="4873beb7-5857-4685-be1f-d57550cc96cc"/>
-    <UAProjectedTotalWords xmlns="4873beb7-5857-4685-be1f-d57550cc96cc" xsi:nil="true"/>
-    <IntlLangReview xmlns="4873beb7-5857-4685-be1f-d57550cc96cc" xsi:nil="true"/>
-    <OutputCachingOn xmlns="4873beb7-5857-4685-be1f-d57550cc96cc">false</OutputCachingOn>
-    <AverageRating xmlns="4873beb7-5857-4685-be1f-d57550cc96cc" xsi:nil="true"/>
-    <APAuthor xmlns="4873beb7-5857-4685-be1f-d57550cc96cc">
-      <UserInfo>
-        <DisplayName>REDMOND\kristaa</DisplayName>
-        <AccountId>136</AccountId>
-        <AccountType/>
-      </UserInfo>
-    </APAuthor>
-    <LocManualTestRequired xmlns="4873beb7-5857-4685-be1f-d57550cc96cc">false</LocManualTestRequired>
-    <TPCommandLine xmlns="4873beb7-5857-4685-be1f-d57550cc96cc" xsi:nil="true"/>
-    <TPAppVersion xmlns="4873beb7-5857-4685-be1f-d57550cc96cc" xsi:nil="true"/>
-    <EditorialStatus xmlns="4873beb7-5857-4685-be1f-d57550cc96cc">Complete</EditorialStatus>
-    <LastModifiedDateTime xmlns="4873beb7-5857-4685-be1f-d57550cc96cc" xsi:nil="true"/>
-    <ScenarioTagsTaxHTField0 xmlns="4873beb7-5857-4685-be1f-d57550cc96cc">
-      <Terms xmlns="http://schemas.microsoft.com/office/infopath/2007/PartnerControls"/>
-    </ScenarioTagsTaxHTField0>
-    <LocProcessedForMarketsLookup xmlns="4873beb7-5857-4685-be1f-d57550cc96cc" xsi:nil="true"/>
-    <TPLaunchHelpLinkType xmlns="4873beb7-5857-4685-be1f-d57550cc96cc">Template</TPLaunchHelpLinkType>
-    <OriginalRelease xmlns="4873beb7-5857-4685-be1f-d57550cc96cc">15</OriginalRelease>
-    <LocalizationTagsTaxHTField0 xmlns="4873beb7-5857-4685-be1f-d57550cc96cc">
-      <Terms xmlns="http://schemas.microsoft.com/office/infopath/2007/PartnerControls"/>
-    </LocalizationTagsTaxHTField0>
-    <UACurrentWords xmlns="4873beb7-5857-4685-be1f-d57550cc96cc" xsi:nil="true"/>
-    <ArtSampleDocs xmlns="4873beb7-5857-4685-be1f-d57550cc96cc" xsi:nil="true"/>
-    <UALocRecommendation xmlns="4873beb7-5857-4685-be1f-d57550cc96cc">Localize</UALocRecommendation>
-    <Manager xmlns="4873beb7-5857-4685-be1f-d57550cc96cc" xsi:nil="true"/>
-    <LocOverallHandbackStatusLookup xmlns="4873beb7-5857-4685-be1f-d57550cc96cc" xsi:nil="true"/>
-    <ShowIn xmlns="4873beb7-5857-4685-be1f-d57550cc96cc">Show everywhere</ShowIn>
-    <UANotes xmlns="4873beb7-5857-4685-be1f-d57550cc96cc" xsi:nil="true"/>
-    <InternalTagsTaxHTField0 xmlns="4873beb7-5857-4685-be1f-d57550cc96cc">
-      <Terms xmlns="http://schemas.microsoft.com/office/infopath/2007/PartnerControls"/>
-    </InternalTagsTaxHTField0>
-    <CSXHash xmlns="4873beb7-5857-4685-be1f-d57550cc96cc" xsi:nil="true"/>
-    <VoteCount xmlns="4873beb7-5857-4685-be1f-d57550cc96cc" xsi:nil="true"/>
-    <AssetExpire xmlns="4873beb7-5857-4685-be1f-d57550cc96cc">2029-05-12T07:00:00+00:00</AssetExpire>
-    <DSATActionTaken xmlns="4873beb7-5857-4685-be1f-d57550cc96cc" xsi:nil="true"/>
-    <CSXSubmissionMarket xmlns="4873beb7-5857-4685-be1f-d57550cc96cc" xsi:nil="true"/>
-    <LocMarketGroupTiers2 xmlns="4873beb7-5857-4685-be1f-d57550cc96cc" xsi:nil="true"/>
-  </documentManagement>
-</p:properties>
+<?mso-contentType ?>
+<FormTemplates xmlns="http://schemas.microsoft.com/sharepoint/v3/contenttype/forms">
+  <Display>DocumentLibraryForm</Display>
+  <Edit>AssetEditForm</Edit>
+  <New>DocumentLibraryForm</New>
+</FormTemplates>
 </file>
 
 <file path=customXml/itemProps1.xml><?xml version="1.0" encoding="utf-8"?>
-<ds:datastoreItem xmlns:ds="http://schemas.openxmlformats.org/officeDocument/2006/customXml" ds:itemID="{3836F65B-1B07-41EE-A0E8-BC6EF3855225}">
+<ds:datastoreItem xmlns:ds="http://schemas.openxmlformats.org/officeDocument/2006/customXml" ds:itemID="{60C67BEE-D13F-4BD2-98A5-34D8A0977F68}">
   <ds:schemaRefs>
-    <ds:schemaRef ds:uri="http://schemas.microsoft.com/sharepoint/v3/contenttype/forms"/>
+    <ds:schemaRef ds:uri="4873beb7-5857-4685-be1f-d57550cc96cc"/>
+    <ds:schemaRef ds:uri="http://schemas.openxmlformats.org/package/2006/metadata/core-properties"/>
+    <ds:schemaRef ds:uri="http://purl.org/dc/terms/"/>
+    <ds:schemaRef ds:uri="http://schemas.microsoft.com/office/2006/documentManagement/types"/>
+    <ds:schemaRef ds:uri="http://purl.org/dc/elements/1.1/"/>
+    <ds:schemaRef ds:uri="http://schemas.microsoft.com/office/2006/metadata/properties"/>
+    <ds:schemaRef ds:uri="http://schemas.microsoft.com/office/infopath/2007/PartnerControls"/>
+    <ds:schemaRef ds:uri="http://www.w3.org/XML/1998/namespace"/>
+    <ds:schemaRef ds:uri="http://purl.org/dc/dcmitype/"/>
   </ds:schemaRefs>
 </ds:datastoreItem>
 </file>
@@ -22219,17 +22756,9 @@
 </file>
 
 <file path=customXml/itemProps3.xml><?xml version="1.0" encoding="utf-8"?>
-<ds:datastoreItem xmlns:ds="http://schemas.openxmlformats.org/officeDocument/2006/customXml" ds:itemID="{60C67BEE-D13F-4BD2-98A5-34D8A0977F68}">
+<ds:datastoreItem xmlns:ds="http://schemas.openxmlformats.org/officeDocument/2006/customXml" ds:itemID="{3836F65B-1B07-41EE-A0E8-BC6EF3855225}">
   <ds:schemaRefs>
-    <ds:schemaRef ds:uri="4873beb7-5857-4685-be1f-d57550cc96cc"/>
-    <ds:schemaRef ds:uri="http://schemas.openxmlformats.org/package/2006/metadata/core-properties"/>
-    <ds:schemaRef ds:uri="http://purl.org/dc/terms/"/>
-    <ds:schemaRef ds:uri="http://schemas.microsoft.com/office/2006/documentManagement/types"/>
-    <ds:schemaRef ds:uri="http://purl.org/dc/elements/1.1/"/>
-    <ds:schemaRef ds:uri="http://schemas.microsoft.com/office/2006/metadata/properties"/>
-    <ds:schemaRef ds:uri="http://schemas.microsoft.com/office/infopath/2007/PartnerControls"/>
-    <ds:schemaRef ds:uri="http://www.w3.org/XML/1998/namespace"/>
-    <ds:schemaRef ds:uri="http://purl.org/dc/dcmitype/"/>
+    <ds:schemaRef ds:uri="http://schemas.microsoft.com/sharepoint/v3/contenttype/forms"/>
   </ds:schemaRefs>
 </ds:datastoreItem>
 </file>
--- a/neo4j/cypher/cypher_fundamentals/Cypher_Fundamentals.pptx
+++ b/neo4j/cypher/cypher_fundamentals/Cypher_Fundamentals.pptx
@@ -12242,7 +12242,7 @@
           <a:p>
             <a:fld id="{FE5B4EDC-59C0-49C7-8ADA-5A781B329E02}" type="datetimeFigureOut">
               <a:rPr lang="en-US"/>
-              <a:t>10/29/2025</a:t>
+              <a:t>10/31/2025</a:t>
             </a:fld>
             <a:endParaRPr/>
           </a:p>
@@ -12407,7 +12407,7 @@
           <a:p>
             <a:fld id="{F2D8D46A-B586-417D-BFBD-8C8FE0AAF762}" type="datetimeFigureOut">
               <a:rPr lang="en-US"/>
-              <a:t>10/29/2025</a:t>
+              <a:t>10/31/2025</a:t>
             </a:fld>
             <a:endParaRPr/>
           </a:p>
@@ -13425,7 +13425,7 @@
           <a:p>
             <a:fld id="{F0DFD029-FB74-4578-B929-F66AA97659CA}" type="datetimeFigureOut">
               <a:rPr lang="en-US"/>
-              <a:t>10/29/2025</a:t>
+              <a:t>10/31/2025</a:t>
             </a:fld>
             <a:endParaRPr/>
           </a:p>
@@ -13623,7 +13623,7 @@
           <a:p>
             <a:fld id="{F0DFD029-FB74-4578-B929-F66AA97659CA}" type="datetimeFigureOut">
               <a:rPr lang="en-US"/>
-              <a:t>10/29/2025</a:t>
+              <a:t>10/31/2025</a:t>
             </a:fld>
             <a:endParaRPr/>
           </a:p>
@@ -13831,7 +13831,7 @@
           <a:p>
             <a:fld id="{F0DFD029-FB74-4578-B929-F66AA97659CA}" type="datetimeFigureOut">
               <a:rPr lang="en-US"/>
-              <a:t>10/29/2025</a:t>
+              <a:t>10/31/2025</a:t>
             </a:fld>
             <a:endParaRPr/>
           </a:p>
@@ -14029,7 +14029,7 @@
           <a:p>
             <a:fld id="{F0DFD029-FB74-4578-B929-F66AA97659CA}" type="datetimeFigureOut">
               <a:rPr lang="en-US"/>
-              <a:t>10/29/2025</a:t>
+              <a:t>10/31/2025</a:t>
             </a:fld>
             <a:endParaRPr/>
           </a:p>
@@ -14461,7 +14461,7 @@
           <a:p>
             <a:fld id="{F0DFD029-FB74-4578-B929-F66AA97659CA}" type="datetimeFigureOut">
               <a:rPr lang="en-US"/>
-              <a:t>10/29/2025</a:t>
+              <a:t>10/31/2025</a:t>
             </a:fld>
             <a:endParaRPr/>
           </a:p>
@@ -14765,7 +14765,7 @@
           <a:p>
             <a:fld id="{F0DFD029-FB74-4578-B929-F66AA97659CA}" type="datetimeFigureOut">
               <a:rPr lang="en-US"/>
-              <a:t>10/29/2025</a:t>
+              <a:t>10/31/2025</a:t>
             </a:fld>
             <a:endParaRPr/>
           </a:p>
@@ -15221,7 +15221,7 @@
           <a:p>
             <a:fld id="{F0DFD029-FB74-4578-B929-F66AA97659CA}" type="datetimeFigureOut">
               <a:rPr lang="en-US"/>
-              <a:t>10/29/2025</a:t>
+              <a:t>10/31/2025</a:t>
             </a:fld>
             <a:endParaRPr/>
           </a:p>
@@ -15351,7 +15351,7 @@
           <a:p>
             <a:fld id="{F0DFD029-FB74-4578-B929-F66AA97659CA}" type="datetimeFigureOut">
               <a:rPr lang="en-US"/>
-              <a:t>10/29/2025</a:t>
+              <a:t>10/31/2025</a:t>
             </a:fld>
             <a:endParaRPr/>
           </a:p>
@@ -15458,7 +15458,7 @@
           <a:p>
             <a:fld id="{F0DFD029-FB74-4578-B929-F66AA97659CA}" type="datetimeFigureOut">
               <a:rPr lang="en-US"/>
-              <a:t>10/29/2025</a:t>
+              <a:t>10/31/2025</a:t>
             </a:fld>
             <a:endParaRPr/>
           </a:p>
@@ -15757,7 +15757,7 @@
           <a:p>
             <a:fld id="{F0DFD029-FB74-4578-B929-F66AA97659CA}" type="datetimeFigureOut">
               <a:rPr lang="en-US"/>
-              <a:t>10/29/2025</a:t>
+              <a:t>10/31/2025</a:t>
             </a:fld>
             <a:endParaRPr/>
           </a:p>
@@ -16045,7 +16045,7 @@
           <a:p>
             <a:fld id="{F0DFD029-FB74-4578-B929-F66AA97659CA}" type="datetimeFigureOut">
               <a:rPr lang="en-US"/>
-              <a:t>10/29/2025</a:t>
+              <a:t>10/31/2025</a:t>
             </a:fld>
             <a:endParaRPr/>
           </a:p>
@@ -16668,7 +16668,7 @@
             <a:fld id="{F0DFD029-FB74-4578-B929-F66AA97659CA}" type="datetimeFigureOut">
               <a:rPr lang="en-US"/>
               <a:pPr/>
-              <a:t>10/29/2025</a:t>
+              <a:t>10/31/2025</a:t>
             </a:fld>
             <a:endParaRPr/>
           </a:p>
@@ -18408,81 +18408,6 @@
           </a:effectLst>
         </p:spPr>
       </p:pic>
-      <p:sp>
-        <p:nvSpPr>
-          <p:cNvPr id="4" name="TextBox 3">
-            <a:extLst>
-              <a:ext uri="{FF2B5EF4-FFF2-40B4-BE49-F238E27FC236}">
-                <a16:creationId xmlns:a16="http://schemas.microsoft.com/office/drawing/2014/main" id="{16964622-DA46-C882-B222-57AE0F602D69}"/>
-              </a:ext>
-            </a:extLst>
-          </p:cNvPr>
-          <p:cNvSpPr txBox="1"/>
-          <p:nvPr/>
-        </p:nvSpPr>
-        <p:spPr>
-          <a:xfrm>
-            <a:off x="7161212" y="1371600"/>
-            <a:ext cx="931665" cy="1862048"/>
-          </a:xfrm>
-          <a:prstGeom prst="rect">
-            <a:avLst/>
-          </a:prstGeom>
-          <a:gradFill flip="none" rotWithShape="1">
-            <a:gsLst>
-              <a:gs pos="0">
-                <a:schemeClr val="accent4">
-                  <a:lumMod val="67000"/>
-                </a:schemeClr>
-              </a:gs>
-              <a:gs pos="48000">
-                <a:schemeClr val="accent4">
-                  <a:lumMod val="97000"/>
-                  <a:lumOff val="3000"/>
-                </a:schemeClr>
-              </a:gs>
-              <a:gs pos="100000">
-                <a:schemeClr val="accent4">
-                  <a:lumMod val="60000"/>
-                  <a:lumOff val="40000"/>
-                </a:schemeClr>
-              </a:gs>
-            </a:gsLst>
-            <a:lin ang="16200000" scaled="1"/>
-            <a:tileRect/>
-          </a:gradFill>
-          <a:ln>
-            <a:noFill/>
-          </a:ln>
-        </p:spPr>
-        <p:style>
-          <a:lnRef idx="0">
-            <a:scrgbClr r="0" g="0" b="0"/>
-          </a:lnRef>
-          <a:fillRef idx="0">
-            <a:scrgbClr r="0" g="0" b="0"/>
-          </a:fillRef>
-          <a:effectRef idx="0">
-            <a:scrgbClr r="0" g="0" b="0"/>
-          </a:effectRef>
-          <a:fontRef idx="minor">
-            <a:schemeClr val="lt1"/>
-          </a:fontRef>
-        </p:style>
-        <p:txBody>
-          <a:bodyPr wrap="none" rtlCol="0" anchor="ctr">
-            <a:spAutoFit/>
-          </a:bodyPr>
-          <a:lstStyle/>
-          <a:p>
-            <a:pPr algn="ctr"/>
-            <a:r>
-              <a:rPr lang="en-US" sz="11500" b="1" dirty="0"/>
-              <a:t>2</a:t>
-            </a:r>
-          </a:p>
-        </p:txBody>
-      </p:sp>
       <p:pic>
         <p:nvPicPr>
           <p:cNvPr id="2" name="Picture 1">
@@ -18519,6 +18444,58 @@
           </a:effectLst>
         </p:spPr>
       </p:pic>
+      <p:sp>
+        <p:nvSpPr>
+          <p:cNvPr id="5" name="Oval 4">
+            <a:extLst>
+              <a:ext uri="{FF2B5EF4-FFF2-40B4-BE49-F238E27FC236}">
+                <a16:creationId xmlns:a16="http://schemas.microsoft.com/office/drawing/2014/main" id="{83B41526-F60D-F4C4-1F7B-4DEC0E91F8AA}"/>
+              </a:ext>
+            </a:extLst>
+          </p:cNvPr>
+          <p:cNvSpPr/>
+          <p:nvPr/>
+        </p:nvSpPr>
+        <p:spPr>
+          <a:xfrm>
+            <a:off x="7237412" y="1447800"/>
+            <a:ext cx="3505200" cy="3511059"/>
+          </a:xfrm>
+          <a:prstGeom prst="ellipse">
+            <a:avLst/>
+          </a:prstGeom>
+          <a:blipFill>
+            <a:blip r:embed="rId5"/>
+            <a:stretch>
+              <a:fillRect/>
+            </a:stretch>
+          </a:blipFill>
+        </p:spPr>
+        <p:style>
+          <a:lnRef idx="2">
+            <a:schemeClr val="accent1">
+              <a:shade val="50000"/>
+            </a:schemeClr>
+          </a:lnRef>
+          <a:fillRef idx="1">
+            <a:schemeClr val="accent1"/>
+          </a:fillRef>
+          <a:effectRef idx="0">
+            <a:schemeClr val="accent1"/>
+          </a:effectRef>
+          <a:fontRef idx="minor">
+            <a:schemeClr val="lt1"/>
+          </a:fontRef>
+        </p:style>
+        <p:txBody>
+          <a:bodyPr rtlCol="0" anchor="ctr"/>
+          <a:lstStyle/>
+          <a:p>
+            <a:pPr algn="ctr"/>
+            <a:endParaRPr lang="en-US" sz="2800"/>
+          </a:p>
+        </p:txBody>
+      </p:sp>
     </p:spTree>
     <p:extLst>
       <p:ext uri="{BB962C8B-B14F-4D97-AF65-F5344CB8AC3E}">
@@ -21537,142 +21514,6 @@
 </file>
 
 <file path=customXml/item1.xml><?xml version="1.0" encoding="utf-8"?>
-<p:properties xmlns:p="http://schemas.microsoft.com/office/2006/metadata/properties" xmlns:xsi="http://www.w3.org/2001/XMLSchema-instance" xmlns:pc="http://schemas.microsoft.com/office/infopath/2007/PartnerControls">
-  <documentManagement>
-    <LocPublishedLinkedAssetsLookup xmlns="4873beb7-5857-4685-be1f-d57550cc96cc" xsi:nil="true"/>
-    <ApprovalStatus xmlns="4873beb7-5857-4685-be1f-d57550cc96cc">InProgress</ApprovalStatus>
-    <MarketSpecific xmlns="4873beb7-5857-4685-be1f-d57550cc96cc">false</MarketSpecific>
-    <LocComments xmlns="4873beb7-5857-4685-be1f-d57550cc96cc" xsi:nil="true"/>
-    <LocLastLocAttemptVersionTypeLookup xmlns="4873beb7-5857-4685-be1f-d57550cc96cc" xsi:nil="true"/>
-    <DirectSourceMarket xmlns="4873beb7-5857-4685-be1f-d57550cc96cc" xsi:nil="true"/>
-    <ThumbnailAssetId xmlns="4873beb7-5857-4685-be1f-d57550cc96cc" xsi:nil="true"/>
-    <PrimaryImageGen xmlns="4873beb7-5857-4685-be1f-d57550cc96cc">false</PrimaryImageGen>
-    <LocNewPublishedVersionLookup xmlns="4873beb7-5857-4685-be1f-d57550cc96cc" xsi:nil="true"/>
-    <LegacyData xmlns="4873beb7-5857-4685-be1f-d57550cc96cc" xsi:nil="true"/>
-    <LocRecommendedHandoff xmlns="4873beb7-5857-4685-be1f-d57550cc96cc" xsi:nil="true"/>
-    <BusinessGroup xmlns="4873beb7-5857-4685-be1f-d57550cc96cc" xsi:nil="true"/>
-    <BlockPublish xmlns="4873beb7-5857-4685-be1f-d57550cc96cc">false</BlockPublish>
-    <TPFriendlyName xmlns="4873beb7-5857-4685-be1f-d57550cc96cc" xsi:nil="true"/>
-    <LocOverallPublishStatusLookup xmlns="4873beb7-5857-4685-be1f-d57550cc96cc" xsi:nil="true"/>
-    <NumericId xmlns="4873beb7-5857-4685-be1f-d57550cc96cc" xsi:nil="true"/>
-    <APEditor xmlns="4873beb7-5857-4685-be1f-d57550cc96cc">
-      <UserInfo>
-        <DisplayName/>
-        <AccountId xsi:nil="true"/>
-        <AccountType/>
-      </UserInfo>
-    </APEditor>
-    <SourceTitle xmlns="4873beb7-5857-4685-be1f-d57550cc96cc" xsi:nil="true"/>
-    <OpenTemplate xmlns="4873beb7-5857-4685-be1f-d57550cc96cc">true</OpenTemplate>
-    <LocOverallLocStatusLookup xmlns="4873beb7-5857-4685-be1f-d57550cc96cc" xsi:nil="true"/>
-    <UALocComments xmlns="4873beb7-5857-4685-be1f-d57550cc96cc" xsi:nil="true"/>
-    <ParentAssetId xmlns="4873beb7-5857-4685-be1f-d57550cc96cc" xsi:nil="true"/>
-    <IntlLangReviewDate xmlns="4873beb7-5857-4685-be1f-d57550cc96cc" xsi:nil="true"/>
-    <FeatureTagsTaxHTField0 xmlns="4873beb7-5857-4685-be1f-d57550cc96cc">
-      <Terms xmlns="http://schemas.microsoft.com/office/infopath/2007/PartnerControls"/>
-    </FeatureTagsTaxHTField0>
-    <PublishStatusLookup xmlns="4873beb7-5857-4685-be1f-d57550cc96cc">
-      <Value>1345093</Value>
-    </PublishStatusLookup>
-    <Providers xmlns="4873beb7-5857-4685-be1f-d57550cc96cc" xsi:nil="true"/>
-    <MachineTranslated xmlns="4873beb7-5857-4685-be1f-d57550cc96cc">false</MachineTranslated>
-    <OriginalSourceMarket xmlns="4873beb7-5857-4685-be1f-d57550cc96cc" xsi:nil="true"/>
-    <APDescription xmlns="4873beb7-5857-4685-be1f-d57550cc96cc">This simple template design works for technology and  businesses, but it's versatile enough to use in other contexts.  It features multiple slide layouts designed for widescreen (16x9 resolution) and includes a sample SmartArt list and chart that are easily editable.</APDescription>
-    <ClipArtFilename xmlns="4873beb7-5857-4685-be1f-d57550cc96cc" xsi:nil="true"/>
-    <ContentItem xmlns="4873beb7-5857-4685-be1f-d57550cc96cc" xsi:nil="true"/>
-    <TPInstallLocation xmlns="4873beb7-5857-4685-be1f-d57550cc96cc" xsi:nil="true"/>
-    <PublishTargets xmlns="4873beb7-5857-4685-be1f-d57550cc96cc">OfficeOnlineVNext</PublishTargets>
-    <TimesCloned xmlns="4873beb7-5857-4685-be1f-d57550cc96cc" xsi:nil="true"/>
-    <AssetStart xmlns="4873beb7-5857-4685-be1f-d57550cc96cc">2011-11-26T00:30:00+00:00</AssetStart>
-    <Provider xmlns="4873beb7-5857-4685-be1f-d57550cc96cc" xsi:nil="true"/>
-    <AcquiredFrom xmlns="4873beb7-5857-4685-be1f-d57550cc96cc">Internal MS</AcquiredFrom>
-    <FriendlyTitle xmlns="4873beb7-5857-4685-be1f-d57550cc96cc" xsi:nil="true"/>
-    <LastHandOff xmlns="4873beb7-5857-4685-be1f-d57550cc96cc" xsi:nil="true"/>
-    <TPClientViewer xmlns="4873beb7-5857-4685-be1f-d57550cc96cc" xsi:nil="true"/>
-    <TemplateStatus xmlns="4873beb7-5857-4685-be1f-d57550cc96cc">Complete</TemplateStatus>
-    <Downloads xmlns="4873beb7-5857-4685-be1f-d57550cc96cc">0</Downloads>
-    <OOCacheId xmlns="4873beb7-5857-4685-be1f-d57550cc96cc" xsi:nil="true"/>
-    <IsDeleted xmlns="4873beb7-5857-4685-be1f-d57550cc96cc">false</IsDeleted>
-    <LocPublishedDependentAssetsLookup xmlns="4873beb7-5857-4685-be1f-d57550cc96cc" xsi:nil="true"/>
-    <TPExecutable xmlns="4873beb7-5857-4685-be1f-d57550cc96cc" xsi:nil="true"/>
-    <EditorialTags xmlns="4873beb7-5857-4685-be1f-d57550cc96cc" xsi:nil="true"/>
-    <SubmitterId xmlns="4873beb7-5857-4685-be1f-d57550cc96cc" xsi:nil="true"/>
-    <ApprovalLog xmlns="4873beb7-5857-4685-be1f-d57550cc96cc" xsi:nil="true"/>
-    <AssetType xmlns="4873beb7-5857-4685-be1f-d57550cc96cc">TP</AssetType>
-    <BugNumber xmlns="4873beb7-5857-4685-be1f-d57550cc96cc" xsi:nil="true"/>
-    <CSXSubmissionDate xmlns="4873beb7-5857-4685-be1f-d57550cc96cc" xsi:nil="true"/>
-    <CSXUpdate xmlns="4873beb7-5857-4685-be1f-d57550cc96cc">false</CSXUpdate>
-    <Milestone xmlns="4873beb7-5857-4685-be1f-d57550cc96cc" xsi:nil="true"/>
-    <RecommendationsModifier xmlns="4873beb7-5857-4685-be1f-d57550cc96cc" xsi:nil="true"/>
-    <OriginAsset xmlns="4873beb7-5857-4685-be1f-d57550cc96cc" xsi:nil="true"/>
-    <TPComponent xmlns="4873beb7-5857-4685-be1f-d57550cc96cc" xsi:nil="true"/>
-    <AssetId xmlns="4873beb7-5857-4685-be1f-d57550cc96cc">TP102787989</AssetId>
-    <IntlLocPriority xmlns="4873beb7-5857-4685-be1f-d57550cc96cc" xsi:nil="true"/>
-    <PolicheckWords xmlns="4873beb7-5857-4685-be1f-d57550cc96cc" xsi:nil="true"/>
-    <TPLaunchHelpLink xmlns="4873beb7-5857-4685-be1f-d57550cc96cc" xsi:nil="true"/>
-    <TPApplication xmlns="4873beb7-5857-4685-be1f-d57550cc96cc" xsi:nil="true"/>
-    <CrawlForDependencies xmlns="4873beb7-5857-4685-be1f-d57550cc96cc">false</CrawlForDependencies>
-    <HandoffToMSDN xmlns="4873beb7-5857-4685-be1f-d57550cc96cc" xsi:nil="true"/>
-    <PlannedPubDate xmlns="4873beb7-5857-4685-be1f-d57550cc96cc" xsi:nil="true"/>
-    <IntlLangReviewer xmlns="4873beb7-5857-4685-be1f-d57550cc96cc" xsi:nil="true"/>
-    <TrustLevel xmlns="4873beb7-5857-4685-be1f-d57550cc96cc">1 Microsoft Managed Content</TrustLevel>
-    <LocLastLocAttemptVersionLookup xmlns="4873beb7-5857-4685-be1f-d57550cc96cc">694266</LocLastLocAttemptVersionLookup>
-    <LocProcessedForHandoffsLookup xmlns="4873beb7-5857-4685-be1f-d57550cc96cc" xsi:nil="true"/>
-    <IsSearchable xmlns="4873beb7-5857-4685-be1f-d57550cc96cc">true</IsSearchable>
-    <TemplateTemplateType xmlns="4873beb7-5857-4685-be1f-d57550cc96cc">PowerPoint Presentation Template</TemplateTemplateType>
-    <CampaignTagsTaxHTField0 xmlns="4873beb7-5857-4685-be1f-d57550cc96cc">
-      <Terms xmlns="http://schemas.microsoft.com/office/infopath/2007/PartnerControls"/>
-    </CampaignTagsTaxHTField0>
-    <TPNamespace xmlns="4873beb7-5857-4685-be1f-d57550cc96cc" xsi:nil="true"/>
-    <LocOverallPreviewStatusLookup xmlns="4873beb7-5857-4685-be1f-d57550cc96cc" xsi:nil="true"/>
-    <TaxCatchAll xmlns="4873beb7-5857-4685-be1f-d57550cc96cc"/>
-    <Markets xmlns="4873beb7-5857-4685-be1f-d57550cc96cc"/>
-    <UAProjectedTotalWords xmlns="4873beb7-5857-4685-be1f-d57550cc96cc" xsi:nil="true"/>
-    <IntlLangReview xmlns="4873beb7-5857-4685-be1f-d57550cc96cc" xsi:nil="true"/>
-    <OutputCachingOn xmlns="4873beb7-5857-4685-be1f-d57550cc96cc">false</OutputCachingOn>
-    <AverageRating xmlns="4873beb7-5857-4685-be1f-d57550cc96cc" xsi:nil="true"/>
-    <APAuthor xmlns="4873beb7-5857-4685-be1f-d57550cc96cc">
-      <UserInfo>
-        <DisplayName>REDMOND\kristaa</DisplayName>
-        <AccountId>136</AccountId>
-        <AccountType/>
-      </UserInfo>
-    </APAuthor>
-    <LocManualTestRequired xmlns="4873beb7-5857-4685-be1f-d57550cc96cc">false</LocManualTestRequired>
-    <TPCommandLine xmlns="4873beb7-5857-4685-be1f-d57550cc96cc" xsi:nil="true"/>
-    <TPAppVersion xmlns="4873beb7-5857-4685-be1f-d57550cc96cc" xsi:nil="true"/>
-    <EditorialStatus xmlns="4873beb7-5857-4685-be1f-d57550cc96cc">Complete</EditorialStatus>
-    <LastModifiedDateTime xmlns="4873beb7-5857-4685-be1f-d57550cc96cc" xsi:nil="true"/>
-    <ScenarioTagsTaxHTField0 xmlns="4873beb7-5857-4685-be1f-d57550cc96cc">
-      <Terms xmlns="http://schemas.microsoft.com/office/infopath/2007/PartnerControls"/>
-    </ScenarioTagsTaxHTField0>
-    <LocProcessedForMarketsLookup xmlns="4873beb7-5857-4685-be1f-d57550cc96cc" xsi:nil="true"/>
-    <TPLaunchHelpLinkType xmlns="4873beb7-5857-4685-be1f-d57550cc96cc">Template</TPLaunchHelpLinkType>
-    <OriginalRelease xmlns="4873beb7-5857-4685-be1f-d57550cc96cc">15</OriginalRelease>
-    <LocalizationTagsTaxHTField0 xmlns="4873beb7-5857-4685-be1f-d57550cc96cc">
-      <Terms xmlns="http://schemas.microsoft.com/office/infopath/2007/PartnerControls"/>
-    </LocalizationTagsTaxHTField0>
-    <UACurrentWords xmlns="4873beb7-5857-4685-be1f-d57550cc96cc" xsi:nil="true"/>
-    <ArtSampleDocs xmlns="4873beb7-5857-4685-be1f-d57550cc96cc" xsi:nil="true"/>
-    <UALocRecommendation xmlns="4873beb7-5857-4685-be1f-d57550cc96cc">Localize</UALocRecommendation>
-    <Manager xmlns="4873beb7-5857-4685-be1f-d57550cc96cc" xsi:nil="true"/>
-    <LocOverallHandbackStatusLookup xmlns="4873beb7-5857-4685-be1f-d57550cc96cc" xsi:nil="true"/>
-    <ShowIn xmlns="4873beb7-5857-4685-be1f-d57550cc96cc">Show everywhere</ShowIn>
-    <UANotes xmlns="4873beb7-5857-4685-be1f-d57550cc96cc" xsi:nil="true"/>
-    <InternalTagsTaxHTField0 xmlns="4873beb7-5857-4685-be1f-d57550cc96cc">
-      <Terms xmlns="http://schemas.microsoft.com/office/infopath/2007/PartnerControls"/>
-    </InternalTagsTaxHTField0>
-    <CSXHash xmlns="4873beb7-5857-4685-be1f-d57550cc96cc" xsi:nil="true"/>
-    <VoteCount xmlns="4873beb7-5857-4685-be1f-d57550cc96cc" xsi:nil="true"/>
-    <AssetExpire xmlns="4873beb7-5857-4685-be1f-d57550cc96cc">2029-05-12T07:00:00+00:00</AssetExpire>
-    <DSATActionTaken xmlns="4873beb7-5857-4685-be1f-d57550cc96cc" xsi:nil="true"/>
-    <CSXSubmissionMarket xmlns="4873beb7-5857-4685-be1f-d57550cc96cc" xsi:nil="true"/>
-    <LocMarketGroupTiers2 xmlns="4873beb7-5857-4685-be1f-d57550cc96cc" xsi:nil="true"/>
-  </documentManagement>
-</p:properties>
-</file>
-
-<file path=customXml/item2.xml><?xml version="1.0" encoding="utf-8"?>
 <ct:contentTypeSchema xmlns:ct="http://schemas.microsoft.com/office/2006/metadata/contentType" xmlns:ma="http://schemas.microsoft.com/office/2006/metadata/properties/metaAttributes" ct:_="" ma:_="" ma:contentTypeName="TemplateFile" ma:contentTypeID="0x0101006EDDDB5EE6D98C44930B742096920B300400F5B6D36B3EF94B4E9A635CDF2A18F5B8" ma:contentTypeVersion="72" ma:contentTypeDescription="Create a new document." ma:contentTypeScope="" ma:versionID="a23e56308344d904b51738559c3d67c9">
   <xsd:schema xmlns:xsd="http://www.w3.org/2001/XMLSchema" xmlns:xs="http://www.w3.org/2001/XMLSchema" xmlns:p="http://schemas.microsoft.com/office/2006/metadata/properties" xmlns:ns2="4873beb7-5857-4685-be1f-d57550cc96cc" targetNamespace="http://schemas.microsoft.com/office/2006/metadata/properties" ma:root="true" ma:fieldsID="cd0908cc4600e77bf5da051303e00c8d" ns2:_="">
     <xsd:import namespace="4873beb7-5857-4685-be1f-d57550cc96cc"/>
@@ -22712,6 +22553,142 @@
 </ct:contentTypeSchema>
 </file>
 
+<file path=customXml/item2.xml><?xml version="1.0" encoding="utf-8"?>
+<p:properties xmlns:p="http://schemas.microsoft.com/office/2006/metadata/properties" xmlns:xsi="http://www.w3.org/2001/XMLSchema-instance" xmlns:pc="http://schemas.microsoft.com/office/infopath/2007/PartnerControls">
+  <documentManagement>
+    <LocPublishedLinkedAssetsLookup xmlns="4873beb7-5857-4685-be1f-d57550cc96cc" xsi:nil="true"/>
+    <ApprovalStatus xmlns="4873beb7-5857-4685-be1f-d57550cc96cc">InProgress</ApprovalStatus>
+    <MarketSpecific xmlns="4873beb7-5857-4685-be1f-d57550cc96cc">false</MarketSpecific>
+    <LocComments xmlns="4873beb7-5857-4685-be1f-d57550cc96cc" xsi:nil="true"/>
+    <LocLastLocAttemptVersionTypeLookup xmlns="4873beb7-5857-4685-be1f-d57550cc96cc" xsi:nil="true"/>
+    <DirectSourceMarket xmlns="4873beb7-5857-4685-be1f-d57550cc96cc" xsi:nil="true"/>
+    <ThumbnailAssetId xmlns="4873beb7-5857-4685-be1f-d57550cc96cc" xsi:nil="true"/>
+    <PrimaryImageGen xmlns="4873beb7-5857-4685-be1f-d57550cc96cc">false</PrimaryImageGen>
+    <LocNewPublishedVersionLookup xmlns="4873beb7-5857-4685-be1f-d57550cc96cc" xsi:nil="true"/>
+    <LegacyData xmlns="4873beb7-5857-4685-be1f-d57550cc96cc" xsi:nil="true"/>
+    <LocRecommendedHandoff xmlns="4873beb7-5857-4685-be1f-d57550cc96cc" xsi:nil="true"/>
+    <BusinessGroup xmlns="4873beb7-5857-4685-be1f-d57550cc96cc" xsi:nil="true"/>
+    <BlockPublish xmlns="4873beb7-5857-4685-be1f-d57550cc96cc">false</BlockPublish>
+    <TPFriendlyName xmlns="4873beb7-5857-4685-be1f-d57550cc96cc" xsi:nil="true"/>
+    <LocOverallPublishStatusLookup xmlns="4873beb7-5857-4685-be1f-d57550cc96cc" xsi:nil="true"/>
+    <NumericId xmlns="4873beb7-5857-4685-be1f-d57550cc96cc" xsi:nil="true"/>
+    <APEditor xmlns="4873beb7-5857-4685-be1f-d57550cc96cc">
+      <UserInfo>
+        <DisplayName/>
+        <AccountId xsi:nil="true"/>
+        <AccountType/>
+      </UserInfo>
+    </APEditor>
+    <SourceTitle xmlns="4873beb7-5857-4685-be1f-d57550cc96cc" xsi:nil="true"/>
+    <OpenTemplate xmlns="4873beb7-5857-4685-be1f-d57550cc96cc">true</OpenTemplate>
+    <LocOverallLocStatusLookup xmlns="4873beb7-5857-4685-be1f-d57550cc96cc" xsi:nil="true"/>
+    <UALocComments xmlns="4873beb7-5857-4685-be1f-d57550cc96cc" xsi:nil="true"/>
+    <ParentAssetId xmlns="4873beb7-5857-4685-be1f-d57550cc96cc" xsi:nil="true"/>
+    <IntlLangReviewDate xmlns="4873beb7-5857-4685-be1f-d57550cc96cc" xsi:nil="true"/>
+    <FeatureTagsTaxHTField0 xmlns="4873beb7-5857-4685-be1f-d57550cc96cc">
+      <Terms xmlns="http://schemas.microsoft.com/office/infopath/2007/PartnerControls"/>
+    </FeatureTagsTaxHTField0>
+    <PublishStatusLookup xmlns="4873beb7-5857-4685-be1f-d57550cc96cc">
+      <Value>1345093</Value>
+    </PublishStatusLookup>
+    <Providers xmlns="4873beb7-5857-4685-be1f-d57550cc96cc" xsi:nil="true"/>
+    <MachineTranslated xmlns="4873beb7-5857-4685-be1f-d57550cc96cc">false</MachineTranslated>
+    <OriginalSourceMarket xmlns="4873beb7-5857-4685-be1f-d57550cc96cc" xsi:nil="true"/>
+    <APDescription xmlns="4873beb7-5857-4685-be1f-d57550cc96cc">This simple template design works for technology and  businesses, but it's versatile enough to use in other contexts.  It features multiple slide layouts designed for widescreen (16x9 resolution) and includes a sample SmartArt list and chart that are easily editable.</APDescription>
+    <ClipArtFilename xmlns="4873beb7-5857-4685-be1f-d57550cc96cc" xsi:nil="true"/>
+    <ContentItem xmlns="4873beb7-5857-4685-be1f-d57550cc96cc" xsi:nil="true"/>
+    <TPInstallLocation xmlns="4873beb7-5857-4685-be1f-d57550cc96cc" xsi:nil="true"/>
+    <PublishTargets xmlns="4873beb7-5857-4685-be1f-d57550cc96cc">OfficeOnlineVNext</PublishTargets>
+    <TimesCloned xmlns="4873beb7-5857-4685-be1f-d57550cc96cc" xsi:nil="true"/>
+    <AssetStart xmlns="4873beb7-5857-4685-be1f-d57550cc96cc">2011-11-26T00:30:00+00:00</AssetStart>
+    <Provider xmlns="4873beb7-5857-4685-be1f-d57550cc96cc" xsi:nil="true"/>
+    <AcquiredFrom xmlns="4873beb7-5857-4685-be1f-d57550cc96cc">Internal MS</AcquiredFrom>
+    <FriendlyTitle xmlns="4873beb7-5857-4685-be1f-d57550cc96cc" xsi:nil="true"/>
+    <LastHandOff xmlns="4873beb7-5857-4685-be1f-d57550cc96cc" xsi:nil="true"/>
+    <TPClientViewer xmlns="4873beb7-5857-4685-be1f-d57550cc96cc" xsi:nil="true"/>
+    <TemplateStatus xmlns="4873beb7-5857-4685-be1f-d57550cc96cc">Complete</TemplateStatus>
+    <Downloads xmlns="4873beb7-5857-4685-be1f-d57550cc96cc">0</Downloads>
+    <OOCacheId xmlns="4873beb7-5857-4685-be1f-d57550cc96cc" xsi:nil="true"/>
+    <IsDeleted xmlns="4873beb7-5857-4685-be1f-d57550cc96cc">false</IsDeleted>
+    <LocPublishedDependentAssetsLookup xmlns="4873beb7-5857-4685-be1f-d57550cc96cc" xsi:nil="true"/>
+    <TPExecutable xmlns="4873beb7-5857-4685-be1f-d57550cc96cc" xsi:nil="true"/>
+    <EditorialTags xmlns="4873beb7-5857-4685-be1f-d57550cc96cc" xsi:nil="true"/>
+    <SubmitterId xmlns="4873beb7-5857-4685-be1f-d57550cc96cc" xsi:nil="true"/>
+    <ApprovalLog xmlns="4873beb7-5857-4685-be1f-d57550cc96cc" xsi:nil="true"/>
+    <AssetType xmlns="4873beb7-5857-4685-be1f-d57550cc96cc">TP</AssetType>
+    <BugNumber xmlns="4873beb7-5857-4685-be1f-d57550cc96cc" xsi:nil="true"/>
+    <CSXSubmissionDate xmlns="4873beb7-5857-4685-be1f-d57550cc96cc" xsi:nil="true"/>
+    <CSXUpdate xmlns="4873beb7-5857-4685-be1f-d57550cc96cc">false</CSXUpdate>
+    <Milestone xmlns="4873beb7-5857-4685-be1f-d57550cc96cc" xsi:nil="true"/>
+    <RecommendationsModifier xmlns="4873beb7-5857-4685-be1f-d57550cc96cc" xsi:nil="true"/>
+    <OriginAsset xmlns="4873beb7-5857-4685-be1f-d57550cc96cc" xsi:nil="true"/>
+    <TPComponent xmlns="4873beb7-5857-4685-be1f-d57550cc96cc" xsi:nil="true"/>
+    <AssetId xmlns="4873beb7-5857-4685-be1f-d57550cc96cc">TP102787989</AssetId>
+    <IntlLocPriority xmlns="4873beb7-5857-4685-be1f-d57550cc96cc" xsi:nil="true"/>
+    <PolicheckWords xmlns="4873beb7-5857-4685-be1f-d57550cc96cc" xsi:nil="true"/>
+    <TPLaunchHelpLink xmlns="4873beb7-5857-4685-be1f-d57550cc96cc" xsi:nil="true"/>
+    <TPApplication xmlns="4873beb7-5857-4685-be1f-d57550cc96cc" xsi:nil="true"/>
+    <CrawlForDependencies xmlns="4873beb7-5857-4685-be1f-d57550cc96cc">false</CrawlForDependencies>
+    <HandoffToMSDN xmlns="4873beb7-5857-4685-be1f-d57550cc96cc" xsi:nil="true"/>
+    <PlannedPubDate xmlns="4873beb7-5857-4685-be1f-d57550cc96cc" xsi:nil="true"/>
+    <IntlLangReviewer xmlns="4873beb7-5857-4685-be1f-d57550cc96cc" xsi:nil="true"/>
+    <TrustLevel xmlns="4873beb7-5857-4685-be1f-d57550cc96cc">1 Microsoft Managed Content</TrustLevel>
+    <LocLastLocAttemptVersionLookup xmlns="4873beb7-5857-4685-be1f-d57550cc96cc">694266</LocLastLocAttemptVersionLookup>
+    <LocProcessedForHandoffsLookup xmlns="4873beb7-5857-4685-be1f-d57550cc96cc" xsi:nil="true"/>
+    <IsSearchable xmlns="4873beb7-5857-4685-be1f-d57550cc96cc">true</IsSearchable>
+    <TemplateTemplateType xmlns="4873beb7-5857-4685-be1f-d57550cc96cc">PowerPoint Presentation Template</TemplateTemplateType>
+    <CampaignTagsTaxHTField0 xmlns="4873beb7-5857-4685-be1f-d57550cc96cc">
+      <Terms xmlns="http://schemas.microsoft.com/office/infopath/2007/PartnerControls"/>
+    </CampaignTagsTaxHTField0>
+    <TPNamespace xmlns="4873beb7-5857-4685-be1f-d57550cc96cc" xsi:nil="true"/>
+    <LocOverallPreviewStatusLookup xmlns="4873beb7-5857-4685-be1f-d57550cc96cc" xsi:nil="true"/>
+    <TaxCatchAll xmlns="4873beb7-5857-4685-be1f-d57550cc96cc"/>
+    <Markets xmlns="4873beb7-5857-4685-be1f-d57550cc96cc"/>
+    <UAProjectedTotalWords xmlns="4873beb7-5857-4685-be1f-d57550cc96cc" xsi:nil="true"/>
+    <IntlLangReview xmlns="4873beb7-5857-4685-be1f-d57550cc96cc" xsi:nil="true"/>
+    <OutputCachingOn xmlns="4873beb7-5857-4685-be1f-d57550cc96cc">false</OutputCachingOn>
+    <AverageRating xmlns="4873beb7-5857-4685-be1f-d57550cc96cc" xsi:nil="true"/>
+    <APAuthor xmlns="4873beb7-5857-4685-be1f-d57550cc96cc">
+      <UserInfo>
+        <DisplayName>REDMOND\kristaa</DisplayName>
+        <AccountId>136</AccountId>
+        <AccountType/>
+      </UserInfo>
+    </APAuthor>
+    <LocManualTestRequired xmlns="4873beb7-5857-4685-be1f-d57550cc96cc">false</LocManualTestRequired>
+    <TPCommandLine xmlns="4873beb7-5857-4685-be1f-d57550cc96cc" xsi:nil="true"/>
+    <TPAppVersion xmlns="4873beb7-5857-4685-be1f-d57550cc96cc" xsi:nil="true"/>
+    <EditorialStatus xmlns="4873beb7-5857-4685-be1f-d57550cc96cc">Complete</EditorialStatus>
+    <LastModifiedDateTime xmlns="4873beb7-5857-4685-be1f-d57550cc96cc" xsi:nil="true"/>
+    <ScenarioTagsTaxHTField0 xmlns="4873beb7-5857-4685-be1f-d57550cc96cc">
+      <Terms xmlns="http://schemas.microsoft.com/office/infopath/2007/PartnerControls"/>
+    </ScenarioTagsTaxHTField0>
+    <LocProcessedForMarketsLookup xmlns="4873beb7-5857-4685-be1f-d57550cc96cc" xsi:nil="true"/>
+    <TPLaunchHelpLinkType xmlns="4873beb7-5857-4685-be1f-d57550cc96cc">Template</TPLaunchHelpLinkType>
+    <OriginalRelease xmlns="4873beb7-5857-4685-be1f-d57550cc96cc">15</OriginalRelease>
+    <LocalizationTagsTaxHTField0 xmlns="4873beb7-5857-4685-be1f-d57550cc96cc">
+      <Terms xmlns="http://schemas.microsoft.com/office/infopath/2007/PartnerControls"/>
+    </LocalizationTagsTaxHTField0>
+    <UACurrentWords xmlns="4873beb7-5857-4685-be1f-d57550cc96cc" xsi:nil="true"/>
+    <ArtSampleDocs xmlns="4873beb7-5857-4685-be1f-d57550cc96cc" xsi:nil="true"/>
+    <UALocRecommendation xmlns="4873beb7-5857-4685-be1f-d57550cc96cc">Localize</UALocRecommendation>
+    <Manager xmlns="4873beb7-5857-4685-be1f-d57550cc96cc" xsi:nil="true"/>
+    <LocOverallHandbackStatusLookup xmlns="4873beb7-5857-4685-be1f-d57550cc96cc" xsi:nil="true"/>
+    <ShowIn xmlns="4873beb7-5857-4685-be1f-d57550cc96cc">Show everywhere</ShowIn>
+    <UANotes xmlns="4873beb7-5857-4685-be1f-d57550cc96cc" xsi:nil="true"/>
+    <InternalTagsTaxHTField0 xmlns="4873beb7-5857-4685-be1f-d57550cc96cc">
+      <Terms xmlns="http://schemas.microsoft.com/office/infopath/2007/PartnerControls"/>
+    </InternalTagsTaxHTField0>
+    <CSXHash xmlns="4873beb7-5857-4685-be1f-d57550cc96cc" xsi:nil="true"/>
+    <VoteCount xmlns="4873beb7-5857-4685-be1f-d57550cc96cc" xsi:nil="true"/>
+    <AssetExpire xmlns="4873beb7-5857-4685-be1f-d57550cc96cc">2029-05-12T07:00:00+00:00</AssetExpire>
+    <DSATActionTaken xmlns="4873beb7-5857-4685-be1f-d57550cc96cc" xsi:nil="true"/>
+    <CSXSubmissionMarket xmlns="4873beb7-5857-4685-be1f-d57550cc96cc" xsi:nil="true"/>
+    <LocMarketGroupTiers2 xmlns="4873beb7-5857-4685-be1f-d57550cc96cc" xsi:nil="true"/>
+  </documentManagement>
+</p:properties>
+</file>
+
 <file path=customXml/item3.xml><?xml version="1.0" encoding="utf-8"?>
 <?mso-contentType ?>
 <FormTemplates xmlns="http://schemas.microsoft.com/sharepoint/v3/contenttype/forms">
@@ -22722,22 +22699,6 @@
 </file>
 
 <file path=customXml/itemProps1.xml><?xml version="1.0" encoding="utf-8"?>
-<ds:datastoreItem xmlns:ds="http://schemas.openxmlformats.org/officeDocument/2006/customXml" ds:itemID="{60C67BEE-D13F-4BD2-98A5-34D8A0977F68}">
-  <ds:schemaRefs>
-    <ds:schemaRef ds:uri="4873beb7-5857-4685-be1f-d57550cc96cc"/>
-    <ds:schemaRef ds:uri="http://schemas.openxmlformats.org/package/2006/metadata/core-properties"/>
-    <ds:schemaRef ds:uri="http://purl.org/dc/terms/"/>
-    <ds:schemaRef ds:uri="http://schemas.microsoft.com/office/2006/documentManagement/types"/>
-    <ds:schemaRef ds:uri="http://purl.org/dc/elements/1.1/"/>
-    <ds:schemaRef ds:uri="http://schemas.microsoft.com/office/2006/metadata/properties"/>
-    <ds:schemaRef ds:uri="http://schemas.microsoft.com/office/infopath/2007/PartnerControls"/>
-    <ds:schemaRef ds:uri="http://www.w3.org/XML/1998/namespace"/>
-    <ds:schemaRef ds:uri="http://purl.org/dc/dcmitype/"/>
-  </ds:schemaRefs>
-</ds:datastoreItem>
-</file>
-
-<file path=customXml/itemProps2.xml><?xml version="1.0" encoding="utf-8"?>
 <ds:datastoreItem xmlns:ds="http://schemas.openxmlformats.org/officeDocument/2006/customXml" ds:itemID="{A09BF4D4-EF60-4196-BFC3-9462D607978C}">
   <ds:schemaRefs>
     <ds:schemaRef ds:uri="http://schemas.microsoft.com/office/2006/metadata/contentType"/>
@@ -22755,6 +22716,22 @@
 </ds:datastoreItem>
 </file>
 
+<file path=customXml/itemProps2.xml><?xml version="1.0" encoding="utf-8"?>
+<ds:datastoreItem xmlns:ds="http://schemas.openxmlformats.org/officeDocument/2006/customXml" ds:itemID="{60C67BEE-D13F-4BD2-98A5-34D8A0977F68}">
+  <ds:schemaRefs>
+    <ds:schemaRef ds:uri="4873beb7-5857-4685-be1f-d57550cc96cc"/>
+    <ds:schemaRef ds:uri="http://schemas.openxmlformats.org/package/2006/metadata/core-properties"/>
+    <ds:schemaRef ds:uri="http://purl.org/dc/terms/"/>
+    <ds:schemaRef ds:uri="http://schemas.microsoft.com/office/2006/documentManagement/types"/>
+    <ds:schemaRef ds:uri="http://purl.org/dc/elements/1.1/"/>
+    <ds:schemaRef ds:uri="http://schemas.microsoft.com/office/2006/metadata/properties"/>
+    <ds:schemaRef ds:uri="http://schemas.microsoft.com/office/infopath/2007/PartnerControls"/>
+    <ds:schemaRef ds:uri="http://www.w3.org/XML/1998/namespace"/>
+    <ds:schemaRef ds:uri="http://purl.org/dc/dcmitype/"/>
+  </ds:schemaRefs>
+</ds:datastoreItem>
+</file>
+
 <file path=customXml/itemProps3.xml><?xml version="1.0" encoding="utf-8"?>
 <ds:datastoreItem xmlns:ds="http://schemas.openxmlformats.org/officeDocument/2006/customXml" ds:itemID="{3836F65B-1B07-41EE-A0E8-BC6EF3855225}">
   <ds:schemaRefs>
